--- a/Branchements/SchemaElectrique.pptx
+++ b/Branchements/SchemaElectrique.pptx
@@ -8,7 +8,7 @@
     <p:sldId id="256" r:id="rId2"/>
   </p:sldIdLst>
   <p:sldSz cx="10691813" cy="7559675"/>
-  <p:notesSz cx="6858000" cy="9144000"/>
+  <p:notesSz cx="6797675" cy="9926638"/>
   <p:defaultTextStyle>
     <a:defPPr>
       <a:defRPr lang="en-US"/>
@@ -254,7 +254,7 @@
           <a:p>
             <a:fld id="{BD9A7599-70E5-4523-9D38-FAC7DD6B522C}" type="datetimeFigureOut">
               <a:rPr lang="fr-FR" smtClean="0"/>
-              <a:t>25/04/2024</a:t>
+              <a:t>02/05/2024</a:t>
             </a:fld>
             <a:endParaRPr lang="fr-FR"/>
           </a:p>
@@ -424,7 +424,7 @@
           <a:p>
             <a:fld id="{BD9A7599-70E5-4523-9D38-FAC7DD6B522C}" type="datetimeFigureOut">
               <a:rPr lang="fr-FR" smtClean="0"/>
-              <a:t>25/04/2024</a:t>
+              <a:t>02/05/2024</a:t>
             </a:fld>
             <a:endParaRPr lang="fr-FR"/>
           </a:p>
@@ -604,7 +604,7 @@
           <a:p>
             <a:fld id="{BD9A7599-70E5-4523-9D38-FAC7DD6B522C}" type="datetimeFigureOut">
               <a:rPr lang="fr-FR" smtClean="0"/>
-              <a:t>25/04/2024</a:t>
+              <a:t>02/05/2024</a:t>
             </a:fld>
             <a:endParaRPr lang="fr-FR"/>
           </a:p>
@@ -774,7 +774,7 @@
           <a:p>
             <a:fld id="{BD9A7599-70E5-4523-9D38-FAC7DD6B522C}" type="datetimeFigureOut">
               <a:rPr lang="fr-FR" smtClean="0"/>
-              <a:t>25/04/2024</a:t>
+              <a:t>02/05/2024</a:t>
             </a:fld>
             <a:endParaRPr lang="fr-FR"/>
           </a:p>
@@ -1020,7 +1020,7 @@
           <a:p>
             <a:fld id="{BD9A7599-70E5-4523-9D38-FAC7DD6B522C}" type="datetimeFigureOut">
               <a:rPr lang="fr-FR" smtClean="0"/>
-              <a:t>25/04/2024</a:t>
+              <a:t>02/05/2024</a:t>
             </a:fld>
             <a:endParaRPr lang="fr-FR"/>
           </a:p>
@@ -1252,7 +1252,7 @@
           <a:p>
             <a:fld id="{BD9A7599-70E5-4523-9D38-FAC7DD6B522C}" type="datetimeFigureOut">
               <a:rPr lang="fr-FR" smtClean="0"/>
-              <a:t>25/04/2024</a:t>
+              <a:t>02/05/2024</a:t>
             </a:fld>
             <a:endParaRPr lang="fr-FR"/>
           </a:p>
@@ -1619,7 +1619,7 @@
           <a:p>
             <a:fld id="{BD9A7599-70E5-4523-9D38-FAC7DD6B522C}" type="datetimeFigureOut">
               <a:rPr lang="fr-FR" smtClean="0"/>
-              <a:t>25/04/2024</a:t>
+              <a:t>02/05/2024</a:t>
             </a:fld>
             <a:endParaRPr lang="fr-FR"/>
           </a:p>
@@ -1737,7 +1737,7 @@
           <a:p>
             <a:fld id="{BD9A7599-70E5-4523-9D38-FAC7DD6B522C}" type="datetimeFigureOut">
               <a:rPr lang="fr-FR" smtClean="0"/>
-              <a:t>25/04/2024</a:t>
+              <a:t>02/05/2024</a:t>
             </a:fld>
             <a:endParaRPr lang="fr-FR"/>
           </a:p>
@@ -1832,7 +1832,7 @@
           <a:p>
             <a:fld id="{BD9A7599-70E5-4523-9D38-FAC7DD6B522C}" type="datetimeFigureOut">
               <a:rPr lang="fr-FR" smtClean="0"/>
-              <a:t>25/04/2024</a:t>
+              <a:t>02/05/2024</a:t>
             </a:fld>
             <a:endParaRPr lang="fr-FR"/>
           </a:p>
@@ -2109,7 +2109,7 @@
           <a:p>
             <a:fld id="{BD9A7599-70E5-4523-9D38-FAC7DD6B522C}" type="datetimeFigureOut">
               <a:rPr lang="fr-FR" smtClean="0"/>
-              <a:t>25/04/2024</a:t>
+              <a:t>02/05/2024</a:t>
             </a:fld>
             <a:endParaRPr lang="fr-FR"/>
           </a:p>
@@ -2366,7 +2366,7 @@
           <a:p>
             <a:fld id="{BD9A7599-70E5-4523-9D38-FAC7DD6B522C}" type="datetimeFigureOut">
               <a:rPr lang="fr-FR" smtClean="0"/>
-              <a:t>25/04/2024</a:t>
+              <a:t>02/05/2024</a:t>
             </a:fld>
             <a:endParaRPr lang="fr-FR"/>
           </a:p>
@@ -2579,7 +2579,7 @@
           <a:p>
             <a:fld id="{BD9A7599-70E5-4523-9D38-FAC7DD6B522C}" type="datetimeFigureOut">
               <a:rPr lang="fr-FR" smtClean="0"/>
-              <a:t>25/04/2024</a:t>
+              <a:t>02/05/2024</a:t>
             </a:fld>
             <a:endParaRPr lang="fr-FR"/>
           </a:p>
@@ -3162,7 +3162,7 @@
         </p:nvSpPr>
         <p:spPr>
           <a:xfrm>
-            <a:off x="2345987" y="707673"/>
+            <a:off x="2528605" y="712784"/>
             <a:ext cx="159310" cy="159310"/>
           </a:xfrm>
           <a:prstGeom prst="ellipse">
@@ -3202,10 +3202,10 @@
       </p:sp>
       <p:sp>
         <p:nvSpPr>
-          <p:cNvPr id="9" name="Ellipse 8">
-            <a:extLst>
-              <a:ext uri="{FF2B5EF4-FFF2-40B4-BE49-F238E27FC236}">
-                <a16:creationId xmlns:a16="http://schemas.microsoft.com/office/drawing/2014/main" id="{DBFE61B5-4071-8F7F-7860-B34291456E53}"/>
+          <p:cNvPr id="11" name="Ellipse 10">
+            <a:extLst>
+              <a:ext uri="{FF2B5EF4-FFF2-40B4-BE49-F238E27FC236}">
+                <a16:creationId xmlns:a16="http://schemas.microsoft.com/office/drawing/2014/main" id="{AAC7C96F-49A7-9B09-3577-B18CAAB1F8FA}"/>
               </a:ext>
             </a:extLst>
           </p:cNvPr>
@@ -3214,14 +3214,14 @@
         </p:nvSpPr>
         <p:spPr>
           <a:xfrm>
-            <a:off x="3307980" y="716711"/>
+            <a:off x="2886700" y="359145"/>
             <a:ext cx="159310" cy="159310"/>
           </a:xfrm>
           <a:prstGeom prst="ellipse">
             <a:avLst/>
           </a:prstGeom>
           <a:solidFill>
-            <a:srgbClr val="0070C0"/>
+            <a:srgbClr val="FF0000"/>
           </a:solidFill>
           <a:ln>
             <a:noFill/>
@@ -3254,10 +3254,10 @@
       </p:sp>
       <p:sp>
         <p:nvSpPr>
-          <p:cNvPr id="10" name="Ellipse 9">
-            <a:extLst>
-              <a:ext uri="{FF2B5EF4-FFF2-40B4-BE49-F238E27FC236}">
-                <a16:creationId xmlns:a16="http://schemas.microsoft.com/office/drawing/2014/main" id="{A2289EB7-1B26-3719-7EF1-FEA5656483C1}"/>
+          <p:cNvPr id="13" name="Ellipse 12">
+            <a:extLst>
+              <a:ext uri="{FF2B5EF4-FFF2-40B4-BE49-F238E27FC236}">
+                <a16:creationId xmlns:a16="http://schemas.microsoft.com/office/drawing/2014/main" id="{D6957B3C-ACA0-0CA9-095E-4ED8909B69BB}"/>
               </a:ext>
             </a:extLst>
           </p:cNvPr>
@@ -3266,163 +3266,7 @@
         </p:nvSpPr>
         <p:spPr>
           <a:xfrm>
-            <a:off x="6668808" y="701357"/>
-            <a:ext cx="159310" cy="159310"/>
-          </a:xfrm>
-          <a:prstGeom prst="ellipse">
-            <a:avLst/>
-          </a:prstGeom>
-          <a:solidFill>
-            <a:srgbClr val="0070C0"/>
-          </a:solidFill>
-          <a:ln>
-            <a:noFill/>
-          </a:ln>
-        </p:spPr>
-        <p:style>
-          <a:lnRef idx="2">
-            <a:schemeClr val="accent1">
-              <a:shade val="50000"/>
-            </a:schemeClr>
-          </a:lnRef>
-          <a:fillRef idx="1">
-            <a:schemeClr val="accent1"/>
-          </a:fillRef>
-          <a:effectRef idx="0">
-            <a:schemeClr val="accent1"/>
-          </a:effectRef>
-          <a:fontRef idx="minor">
-            <a:schemeClr val="lt1"/>
-          </a:fontRef>
-        </p:style>
-        <p:txBody>
-          <a:bodyPr rtlCol="0" anchor="ctr"/>
-          <a:lstStyle/>
-          <a:p>
-            <a:pPr algn="ctr"/>
-            <a:endParaRPr lang="fr-FR"/>
-          </a:p>
-        </p:txBody>
-      </p:sp>
-      <p:sp>
-        <p:nvSpPr>
-          <p:cNvPr id="11" name="Ellipse 10">
-            <a:extLst>
-              <a:ext uri="{FF2B5EF4-FFF2-40B4-BE49-F238E27FC236}">
-                <a16:creationId xmlns:a16="http://schemas.microsoft.com/office/drawing/2014/main" id="{AAC7C96F-49A7-9B09-3577-B18CAAB1F8FA}"/>
-              </a:ext>
-            </a:extLst>
-          </p:cNvPr>
-          <p:cNvSpPr/>
-          <p:nvPr/>
-        </p:nvSpPr>
-        <p:spPr>
-          <a:xfrm>
-            <a:off x="2982822" y="354382"/>
-            <a:ext cx="159310" cy="159310"/>
-          </a:xfrm>
-          <a:prstGeom prst="ellipse">
-            <a:avLst/>
-          </a:prstGeom>
-          <a:solidFill>
-            <a:srgbClr val="FF0000"/>
-          </a:solidFill>
-          <a:ln>
-            <a:noFill/>
-          </a:ln>
-        </p:spPr>
-        <p:style>
-          <a:lnRef idx="2">
-            <a:schemeClr val="accent1">
-              <a:shade val="50000"/>
-            </a:schemeClr>
-          </a:lnRef>
-          <a:fillRef idx="1">
-            <a:schemeClr val="accent1"/>
-          </a:fillRef>
-          <a:effectRef idx="0">
-            <a:schemeClr val="accent1"/>
-          </a:effectRef>
-          <a:fontRef idx="minor">
-            <a:schemeClr val="lt1"/>
-          </a:fontRef>
-        </p:style>
-        <p:txBody>
-          <a:bodyPr rtlCol="0" anchor="ctr"/>
-          <a:lstStyle/>
-          <a:p>
-            <a:pPr algn="ctr"/>
-            <a:endParaRPr lang="fr-FR"/>
-          </a:p>
-        </p:txBody>
-      </p:sp>
-      <p:sp>
-        <p:nvSpPr>
-          <p:cNvPr id="12" name="Ellipse 11">
-            <a:extLst>
-              <a:ext uri="{FF2B5EF4-FFF2-40B4-BE49-F238E27FC236}">
-                <a16:creationId xmlns:a16="http://schemas.microsoft.com/office/drawing/2014/main" id="{BC66D609-9D01-944F-0825-65F6324D70D6}"/>
-              </a:ext>
-            </a:extLst>
-          </p:cNvPr>
-          <p:cNvSpPr/>
-          <p:nvPr/>
-        </p:nvSpPr>
-        <p:spPr>
-          <a:xfrm>
-            <a:off x="5140325" y="359795"/>
-            <a:ext cx="159310" cy="159310"/>
-          </a:xfrm>
-          <a:prstGeom prst="ellipse">
-            <a:avLst/>
-          </a:prstGeom>
-          <a:solidFill>
-            <a:srgbClr val="FF0000"/>
-          </a:solidFill>
-          <a:ln>
-            <a:noFill/>
-          </a:ln>
-        </p:spPr>
-        <p:style>
-          <a:lnRef idx="2">
-            <a:schemeClr val="accent1">
-              <a:shade val="50000"/>
-            </a:schemeClr>
-          </a:lnRef>
-          <a:fillRef idx="1">
-            <a:schemeClr val="accent1"/>
-          </a:fillRef>
-          <a:effectRef idx="0">
-            <a:schemeClr val="accent1"/>
-          </a:effectRef>
-          <a:fontRef idx="minor">
-            <a:schemeClr val="lt1"/>
-          </a:fontRef>
-        </p:style>
-        <p:txBody>
-          <a:bodyPr rtlCol="0" anchor="ctr"/>
-          <a:lstStyle/>
-          <a:p>
-            <a:pPr algn="ctr"/>
-            <a:endParaRPr lang="fr-FR"/>
-          </a:p>
-        </p:txBody>
-      </p:sp>
-      <p:sp>
-        <p:nvSpPr>
-          <p:cNvPr id="13" name="Ellipse 12">
-            <a:extLst>
-              <a:ext uri="{FF2B5EF4-FFF2-40B4-BE49-F238E27FC236}">
-                <a16:creationId xmlns:a16="http://schemas.microsoft.com/office/drawing/2014/main" id="{D6957B3C-ACA0-0CA9-095E-4ED8909B69BB}"/>
-              </a:ext>
-            </a:extLst>
-          </p:cNvPr>
-          <p:cNvSpPr/>
-          <p:nvPr/>
-        </p:nvSpPr>
-        <p:spPr>
-          <a:xfrm>
-            <a:off x="1866252" y="354382"/>
+            <a:off x="2249865" y="350107"/>
             <a:ext cx="159310" cy="159310"/>
           </a:xfrm>
           <a:prstGeom prst="ellipse">
@@ -3552,51 +3396,6 @@
       </p:pic>
       <p:pic>
         <p:nvPicPr>
-          <p:cNvPr id="20" name="Picture 4" descr="CU or Other input de &#10;56 ă &#10;0.2 &#10;CU or Other input de ce &#10;55 ă">
-            <a:extLst>
-              <a:ext uri="{FF2B5EF4-FFF2-40B4-BE49-F238E27FC236}">
-                <a16:creationId xmlns:a16="http://schemas.microsoft.com/office/drawing/2014/main" id="{963460B4-A80E-C06F-187A-611C70361295}"/>
-              </a:ext>
-            </a:extLst>
-          </p:cNvPr>
-          <p:cNvPicPr>
-            <a:picLocks noChangeAspect="1" noChangeArrowheads="1"/>
-          </p:cNvPicPr>
-          <p:nvPr/>
-        </p:nvPicPr>
-        <p:blipFill rotWithShape="1">
-          <a:blip r:embed="rId3">
-            <a:extLst>
-              <a:ext uri="{28A0092B-C50C-407E-A947-70E740481C1C}">
-                <a14:useLocalDpi xmlns:a14="http://schemas.microsoft.com/office/drawing/2010/main" val="0"/>
-              </a:ext>
-            </a:extLst>
-          </a:blip>
-          <a:srcRect l="26666" r="22752" b="49985"/>
-          <a:stretch/>
-        </p:blipFill>
-        <p:spPr bwMode="auto">
-          <a:xfrm rot="5400000">
-            <a:off x="-180682" y="3623865"/>
-            <a:ext cx="1824700" cy="1320765"/>
-          </a:xfrm>
-          <a:prstGeom prst="rect">
-            <a:avLst/>
-          </a:prstGeom>
-          <a:noFill/>
-          <a:extLst>
-            <a:ext uri="{909E8E84-426E-40DD-AFC4-6F175D3DCCD1}">
-              <a14:hiddenFill xmlns:a14="http://schemas.microsoft.com/office/drawing/2010/main">
-                <a:solidFill>
-                  <a:srgbClr val="FFFFFF"/>
-                </a:solidFill>
-              </a14:hiddenFill>
-            </a:ext>
-          </a:extLst>
-        </p:spPr>
-      </p:pic>
-      <p:pic>
-        <p:nvPicPr>
           <p:cNvPr id="22" name="Image 21">
             <a:extLst>
               <a:ext uri="{FF2B5EF4-FFF2-40B4-BE49-F238E27FC236}">
@@ -3610,7 +3409,7 @@
           <p:nvPr/>
         </p:nvPicPr>
         <p:blipFill rotWithShape="1">
-          <a:blip r:embed="rId4"/>
+          <a:blip r:embed="rId3"/>
           <a:srcRect l="17723" t="7174" r="17393" b="9168"/>
           <a:stretch/>
         </p:blipFill>
@@ -3639,7 +3438,7 @@
           <p:nvPr/>
         </p:nvPicPr>
         <p:blipFill>
-          <a:blip r:embed="rId5">
+          <a:blip r:embed="rId4">
             <a:extLst>
               <a:ext uri="{28A0092B-C50C-407E-A947-70E740481C1C}">
                 <a14:useLocalDpi xmlns:a14="http://schemas.microsoft.com/office/drawing/2010/main" val="0"/>
@@ -3658,51 +3457,6 @@
           <a:prstGeom prst="rect">
             <a:avLst/>
           </a:prstGeom>
-        </p:spPr>
-      </p:pic>
-      <p:pic>
-        <p:nvPicPr>
-          <p:cNvPr id="25" name="Picture 4" descr="CU or Other input de &#10;56 ă &#10;0.2 &#10;CU or Other input de ce &#10;55 ă">
-            <a:extLst>
-              <a:ext uri="{FF2B5EF4-FFF2-40B4-BE49-F238E27FC236}">
-                <a16:creationId xmlns:a16="http://schemas.microsoft.com/office/drawing/2014/main" id="{E1522FA2-99C6-D9CC-EFE1-563F795108AA}"/>
-              </a:ext>
-            </a:extLst>
-          </p:cNvPr>
-          <p:cNvPicPr>
-            <a:picLocks noChangeAspect="1" noChangeArrowheads="1"/>
-          </p:cNvPicPr>
-          <p:nvPr/>
-        </p:nvPicPr>
-        <p:blipFill rotWithShape="1">
-          <a:blip r:embed="rId3">
-            <a:extLst>
-              <a:ext uri="{28A0092B-C50C-407E-A947-70E740481C1C}">
-                <a14:useLocalDpi xmlns:a14="http://schemas.microsoft.com/office/drawing/2010/main" val="0"/>
-              </a:ext>
-            </a:extLst>
-          </a:blip>
-          <a:srcRect l="26666" r="22752" b="49985"/>
-          <a:stretch/>
-        </p:blipFill>
-        <p:spPr bwMode="auto">
-          <a:xfrm rot="5400000">
-            <a:off x="2554939" y="3651900"/>
-            <a:ext cx="1824700" cy="1320765"/>
-          </a:xfrm>
-          <a:prstGeom prst="rect">
-            <a:avLst/>
-          </a:prstGeom>
-          <a:noFill/>
-          <a:extLst>
-            <a:ext uri="{909E8E84-426E-40DD-AFC4-6F175D3DCCD1}">
-              <a14:hiddenFill xmlns:a14="http://schemas.microsoft.com/office/drawing/2010/main">
-                <a:solidFill>
-                  <a:srgbClr val="FFFFFF"/>
-                </a:solidFill>
-              </a14:hiddenFill>
-            </a:ext>
-          </a:extLst>
         </p:spPr>
       </p:pic>
       <p:cxnSp>
@@ -3871,10 +3625,10 @@
       </p:sp>
       <p:sp>
         <p:nvSpPr>
-          <p:cNvPr id="30" name="Ellipse 29">
-            <a:extLst>
-              <a:ext uri="{FF2B5EF4-FFF2-40B4-BE49-F238E27FC236}">
-                <a16:creationId xmlns:a16="http://schemas.microsoft.com/office/drawing/2014/main" id="{7D8550DD-E6B3-5DC4-BF3D-50F6D9491FF2}"/>
+          <p:cNvPr id="35" name="Ellipse 34">
+            <a:extLst>
+              <a:ext uri="{FF2B5EF4-FFF2-40B4-BE49-F238E27FC236}">
+                <a16:creationId xmlns:a16="http://schemas.microsoft.com/office/drawing/2014/main" id="{616216D4-B847-6FFE-4065-EAABA2C88007}"/>
               </a:ext>
             </a:extLst>
           </p:cNvPr>
@@ -3883,14 +3637,14 @@
         </p:nvSpPr>
         <p:spPr>
           <a:xfrm>
-            <a:off x="2329520" y="3134006"/>
+            <a:off x="1133535" y="350107"/>
             <a:ext cx="159310" cy="159310"/>
           </a:xfrm>
           <a:prstGeom prst="ellipse">
             <a:avLst/>
           </a:prstGeom>
           <a:solidFill>
-            <a:srgbClr val="0070C0"/>
+            <a:srgbClr val="FF0000"/>
           </a:solidFill>
           <a:ln>
             <a:noFill/>
@@ -3921,12 +3675,234 @@
           </a:p>
         </p:txBody>
       </p:sp>
-      <p:sp>
-        <p:nvSpPr>
-          <p:cNvPr id="31" name="Ellipse 30">
-            <a:extLst>
-              <a:ext uri="{FF2B5EF4-FFF2-40B4-BE49-F238E27FC236}">
-                <a16:creationId xmlns:a16="http://schemas.microsoft.com/office/drawing/2014/main" id="{8A7B9C5B-11D9-E8F6-F103-A40203203701}"/>
+      <p:pic>
+        <p:nvPicPr>
+          <p:cNvPr id="40" name="Image 39" descr="Une image contenant diagramme, ligne, croquis, conception&#10;&#10;Description générée automatiquement">
+            <a:extLst>
+              <a:ext uri="{FF2B5EF4-FFF2-40B4-BE49-F238E27FC236}">
+                <a16:creationId xmlns:a16="http://schemas.microsoft.com/office/drawing/2014/main" id="{1421784F-5F80-8FCE-FBDB-341E7CA25E04}"/>
+              </a:ext>
+            </a:extLst>
+          </p:cNvPr>
+          <p:cNvPicPr>
+            <a:picLocks noChangeAspect="1"/>
+          </p:cNvPicPr>
+          <p:nvPr/>
+        </p:nvPicPr>
+        <p:blipFill>
+          <a:blip r:embed="rId5">
+            <a:extLst>
+              <a:ext uri="{28A0092B-C50C-407E-A947-70E740481C1C}">
+                <a14:useLocalDpi xmlns:a14="http://schemas.microsoft.com/office/drawing/2010/main" val="0"/>
+              </a:ext>
+            </a:extLst>
+          </a:blip>
+          <a:stretch>
+            <a:fillRect/>
+          </a:stretch>
+        </p:blipFill>
+        <p:spPr>
+          <a:xfrm>
+            <a:off x="9023959" y="3743745"/>
+            <a:ext cx="914400" cy="1066800"/>
+          </a:xfrm>
+          <a:prstGeom prst="rect">
+            <a:avLst/>
+          </a:prstGeom>
+        </p:spPr>
+      </p:pic>
+      <p:pic>
+        <p:nvPicPr>
+          <p:cNvPr id="3" name="Image 2" descr="Une image contenant texte, Police, capture d’écran, blanc&#10;&#10;Description générée automatiquement">
+            <a:extLst>
+              <a:ext uri="{FF2B5EF4-FFF2-40B4-BE49-F238E27FC236}">
+                <a16:creationId xmlns:a16="http://schemas.microsoft.com/office/drawing/2014/main" id="{EB4DB223-83A2-05EB-347A-CD0A27B38E80}"/>
+              </a:ext>
+            </a:extLst>
+          </p:cNvPr>
+          <p:cNvPicPr>
+            <a:picLocks noChangeAspect="1"/>
+          </p:cNvPicPr>
+          <p:nvPr/>
+        </p:nvPicPr>
+        <p:blipFill>
+          <a:blip r:embed="rId6">
+            <a:extLst>
+              <a:ext uri="{28A0092B-C50C-407E-A947-70E740481C1C}">
+                <a14:useLocalDpi xmlns:a14="http://schemas.microsoft.com/office/drawing/2010/main" val="0"/>
+              </a:ext>
+            </a:extLst>
+          </a:blip>
+          <a:stretch>
+            <a:fillRect/>
+          </a:stretch>
+        </p:blipFill>
+        <p:spPr>
+          <a:xfrm rot="5400000">
+            <a:off x="491127" y="4040219"/>
+            <a:ext cx="1066802" cy="950312"/>
+          </a:xfrm>
+          <a:prstGeom prst="rect">
+            <a:avLst/>
+          </a:prstGeom>
+        </p:spPr>
+      </p:pic>
+      <p:pic>
+        <p:nvPicPr>
+          <p:cNvPr id="17" name="Image 16" descr="Une image contenant art&#10;&#10;Description générée automatiquement avec une confiance faible">
+            <a:extLst>
+              <a:ext uri="{FF2B5EF4-FFF2-40B4-BE49-F238E27FC236}">
+                <a16:creationId xmlns:a16="http://schemas.microsoft.com/office/drawing/2014/main" id="{CFBB1221-914C-6AD0-FDDE-7204AF0BB39E}"/>
+              </a:ext>
+            </a:extLst>
+          </p:cNvPr>
+          <p:cNvPicPr>
+            <a:picLocks noChangeAspect="1"/>
+          </p:cNvPicPr>
+          <p:nvPr/>
+        </p:nvPicPr>
+        <p:blipFill>
+          <a:blip r:embed="rId7">
+            <a:extLst>
+              <a:ext uri="{28A0092B-C50C-407E-A947-70E740481C1C}">
+                <a14:useLocalDpi xmlns:a14="http://schemas.microsoft.com/office/drawing/2010/main" val="0"/>
+              </a:ext>
+            </a:extLst>
+          </a:blip>
+          <a:stretch>
+            <a:fillRect/>
+          </a:stretch>
+        </p:blipFill>
+        <p:spPr>
+          <a:xfrm>
+            <a:off x="1458959" y="5086022"/>
+            <a:ext cx="602512" cy="161618"/>
+          </a:xfrm>
+          <a:prstGeom prst="rect">
+            <a:avLst/>
+          </a:prstGeom>
+        </p:spPr>
+      </p:pic>
+      <p:pic>
+        <p:nvPicPr>
+          <p:cNvPr id="21" name="Image 20">
+            <a:extLst>
+              <a:ext uri="{FF2B5EF4-FFF2-40B4-BE49-F238E27FC236}">
+                <a16:creationId xmlns:a16="http://schemas.microsoft.com/office/drawing/2014/main" id="{FCF59A28-C956-DFF5-F852-765CC2ACCEA6}"/>
+              </a:ext>
+            </a:extLst>
+          </p:cNvPr>
+          <p:cNvPicPr>
+            <a:picLocks noChangeAspect="1"/>
+          </p:cNvPicPr>
+          <p:nvPr/>
+        </p:nvPicPr>
+        <p:blipFill>
+          <a:blip r:embed="rId8"/>
+          <a:stretch>
+            <a:fillRect/>
+          </a:stretch>
+        </p:blipFill>
+        <p:spPr>
+          <a:xfrm>
+            <a:off x="3142132" y="3975366"/>
+            <a:ext cx="951058" cy="1066892"/>
+          </a:xfrm>
+          <a:prstGeom prst="rect">
+            <a:avLst/>
+          </a:prstGeom>
+        </p:spPr>
+      </p:pic>
+      <p:cxnSp>
+        <p:nvCxnSpPr>
+          <p:cNvPr id="36" name="Connecteur droit 35">
+            <a:extLst>
+              <a:ext uri="{FF2B5EF4-FFF2-40B4-BE49-F238E27FC236}">
+                <a16:creationId xmlns:a16="http://schemas.microsoft.com/office/drawing/2014/main" id="{DA95E973-105A-A59D-B9E1-D5A5C06A58F8}"/>
+              </a:ext>
+            </a:extLst>
+          </p:cNvPr>
+          <p:cNvCxnSpPr/>
+          <p:nvPr/>
+        </p:nvCxnSpPr>
+        <p:spPr>
+          <a:xfrm flipV="1">
+            <a:off x="2966355" y="449448"/>
+            <a:ext cx="0" cy="983112"/>
+          </a:xfrm>
+          <a:prstGeom prst="line">
+            <a:avLst/>
+          </a:prstGeom>
+          <a:ln w="57150">
+            <a:solidFill>
+              <a:srgbClr val="FF0000"/>
+            </a:solidFill>
+          </a:ln>
+        </p:spPr>
+        <p:style>
+          <a:lnRef idx="2">
+            <a:schemeClr val="accent1"/>
+          </a:lnRef>
+          <a:fillRef idx="0">
+            <a:schemeClr val="accent1"/>
+          </a:fillRef>
+          <a:effectRef idx="1">
+            <a:schemeClr val="accent1"/>
+          </a:effectRef>
+          <a:fontRef idx="minor">
+            <a:schemeClr val="tx1"/>
+          </a:fontRef>
+        </p:style>
+      </p:cxnSp>
+      <p:cxnSp>
+        <p:nvCxnSpPr>
+          <p:cNvPr id="37" name="Connecteur droit 36">
+            <a:extLst>
+              <a:ext uri="{FF2B5EF4-FFF2-40B4-BE49-F238E27FC236}">
+                <a16:creationId xmlns:a16="http://schemas.microsoft.com/office/drawing/2014/main" id="{FC76EBF9-718E-3B0B-6AE2-F8192747A9FF}"/>
+              </a:ext>
+            </a:extLst>
+          </p:cNvPr>
+          <p:cNvCxnSpPr>
+            <a:cxnSpLocks/>
+          </p:cNvCxnSpPr>
+          <p:nvPr/>
+        </p:nvCxnSpPr>
+        <p:spPr>
+          <a:xfrm flipV="1">
+            <a:off x="2329520" y="449448"/>
+            <a:ext cx="0" cy="948822"/>
+          </a:xfrm>
+          <a:prstGeom prst="line">
+            <a:avLst/>
+          </a:prstGeom>
+          <a:ln w="57150">
+            <a:solidFill>
+              <a:srgbClr val="FF0000"/>
+            </a:solidFill>
+          </a:ln>
+        </p:spPr>
+        <p:style>
+          <a:lnRef idx="2">
+            <a:schemeClr val="accent1"/>
+          </a:lnRef>
+          <a:fillRef idx="0">
+            <a:schemeClr val="accent1"/>
+          </a:fillRef>
+          <a:effectRef idx="1">
+            <a:schemeClr val="accent1"/>
+          </a:effectRef>
+          <a:fontRef idx="minor">
+            <a:schemeClr val="tx1"/>
+          </a:fontRef>
+        </p:style>
+      </p:cxnSp>
+      <p:sp>
+        <p:nvSpPr>
+          <p:cNvPr id="39" name="Ellipse 38">
+            <a:extLst>
+              <a:ext uri="{FF2B5EF4-FFF2-40B4-BE49-F238E27FC236}">
+                <a16:creationId xmlns:a16="http://schemas.microsoft.com/office/drawing/2014/main" id="{3E101FF5-797A-F0BF-2EE3-EC6B916C31BC}"/>
               </a:ext>
             </a:extLst>
           </p:cNvPr>
@@ -3935,14 +3911,14 @@
         </p:nvSpPr>
         <p:spPr>
           <a:xfrm>
-            <a:off x="3291513" y="3143044"/>
+            <a:off x="4740764" y="350107"/>
             <a:ext cx="159310" cy="159310"/>
           </a:xfrm>
           <a:prstGeom prst="ellipse">
             <a:avLst/>
           </a:prstGeom>
           <a:solidFill>
-            <a:srgbClr val="0070C0"/>
+            <a:srgbClr val="FF0000"/>
           </a:solidFill>
           <a:ln>
             <a:noFill/>
@@ -3973,12 +3949,55 @@
           </a:p>
         </p:txBody>
       </p:sp>
-      <p:sp>
-        <p:nvSpPr>
-          <p:cNvPr id="32" name="Ellipse 31">
-            <a:extLst>
-              <a:ext uri="{FF2B5EF4-FFF2-40B4-BE49-F238E27FC236}">
-                <a16:creationId xmlns:a16="http://schemas.microsoft.com/office/drawing/2014/main" id="{6B65888F-46C7-F979-DD5A-31F8A05B4273}"/>
+      <p:cxnSp>
+        <p:nvCxnSpPr>
+          <p:cNvPr id="41" name="Connecteur droit 40">
+            <a:extLst>
+              <a:ext uri="{FF2B5EF4-FFF2-40B4-BE49-F238E27FC236}">
+                <a16:creationId xmlns:a16="http://schemas.microsoft.com/office/drawing/2014/main" id="{D6B04B87-29A8-6CFC-D695-62689B741612}"/>
+              </a:ext>
+            </a:extLst>
+          </p:cNvPr>
+          <p:cNvCxnSpPr>
+            <a:cxnSpLocks/>
+          </p:cNvCxnSpPr>
+          <p:nvPr/>
+        </p:nvCxnSpPr>
+        <p:spPr>
+          <a:xfrm flipV="1">
+            <a:off x="4820419" y="449448"/>
+            <a:ext cx="0" cy="948822"/>
+          </a:xfrm>
+          <a:prstGeom prst="line">
+            <a:avLst/>
+          </a:prstGeom>
+          <a:ln w="57150">
+            <a:solidFill>
+              <a:srgbClr val="FF0000"/>
+            </a:solidFill>
+          </a:ln>
+        </p:spPr>
+        <p:style>
+          <a:lnRef idx="2">
+            <a:schemeClr val="accent1"/>
+          </a:lnRef>
+          <a:fillRef idx="0">
+            <a:schemeClr val="accent1"/>
+          </a:fillRef>
+          <a:effectRef idx="1">
+            <a:schemeClr val="accent1"/>
+          </a:effectRef>
+          <a:fontRef idx="minor">
+            <a:schemeClr val="tx1"/>
+          </a:fontRef>
+        </p:style>
+      </p:cxnSp>
+      <p:sp>
+        <p:nvSpPr>
+          <p:cNvPr id="42" name="Ellipse 41">
+            <a:extLst>
+              <a:ext uri="{FF2B5EF4-FFF2-40B4-BE49-F238E27FC236}">
+                <a16:creationId xmlns:a16="http://schemas.microsoft.com/office/drawing/2014/main" id="{BA0FD402-AEBF-F013-064B-17598B1C9E00}"/>
               </a:ext>
             </a:extLst>
           </p:cNvPr>
@@ -3987,14 +4006,14 @@
         </p:nvSpPr>
         <p:spPr>
           <a:xfrm>
-            <a:off x="6652341" y="3127690"/>
+            <a:off x="5382750" y="359145"/>
             <a:ext cx="159310" cy="159310"/>
           </a:xfrm>
           <a:prstGeom prst="ellipse">
             <a:avLst/>
           </a:prstGeom>
           <a:solidFill>
-            <a:srgbClr val="0070C0"/>
+            <a:srgbClr val="FF0000"/>
           </a:solidFill>
           <a:ln>
             <a:noFill/>
@@ -4025,12 +4044,137 @@
           </a:p>
         </p:txBody>
       </p:sp>
-      <p:sp>
-        <p:nvSpPr>
-          <p:cNvPr id="33" name="Ellipse 32">
-            <a:extLst>
-              <a:ext uri="{FF2B5EF4-FFF2-40B4-BE49-F238E27FC236}">
-                <a16:creationId xmlns:a16="http://schemas.microsoft.com/office/drawing/2014/main" id="{332AD049-EDC3-66A9-4211-3647354BBDF5}"/>
+      <p:cxnSp>
+        <p:nvCxnSpPr>
+          <p:cNvPr id="43" name="Connecteur droit 42">
+            <a:extLst>
+              <a:ext uri="{FF2B5EF4-FFF2-40B4-BE49-F238E27FC236}">
+                <a16:creationId xmlns:a16="http://schemas.microsoft.com/office/drawing/2014/main" id="{9A71BE22-B4A5-A7AB-F453-9B96DC373214}"/>
+              </a:ext>
+            </a:extLst>
+          </p:cNvPr>
+          <p:cNvCxnSpPr/>
+          <p:nvPr/>
+        </p:nvCxnSpPr>
+        <p:spPr>
+          <a:xfrm flipV="1">
+            <a:off x="5462405" y="449448"/>
+            <a:ext cx="0" cy="983112"/>
+          </a:xfrm>
+          <a:prstGeom prst="line">
+            <a:avLst/>
+          </a:prstGeom>
+          <a:ln w="57150">
+            <a:solidFill>
+              <a:srgbClr val="FF0000"/>
+            </a:solidFill>
+          </a:ln>
+        </p:spPr>
+        <p:style>
+          <a:lnRef idx="2">
+            <a:schemeClr val="accent1"/>
+          </a:lnRef>
+          <a:fillRef idx="0">
+            <a:schemeClr val="accent1"/>
+          </a:fillRef>
+          <a:effectRef idx="1">
+            <a:schemeClr val="accent1"/>
+          </a:effectRef>
+          <a:fontRef idx="minor">
+            <a:schemeClr val="tx1"/>
+          </a:fontRef>
+        </p:style>
+      </p:cxnSp>
+      <p:cxnSp>
+        <p:nvCxnSpPr>
+          <p:cNvPr id="45" name="Connecteur droit 44">
+            <a:extLst>
+              <a:ext uri="{FF2B5EF4-FFF2-40B4-BE49-F238E27FC236}">
+                <a16:creationId xmlns:a16="http://schemas.microsoft.com/office/drawing/2014/main" id="{6825D4C9-09DA-E977-0D77-8B875298AEB9}"/>
+              </a:ext>
+            </a:extLst>
+          </p:cNvPr>
+          <p:cNvCxnSpPr/>
+          <p:nvPr/>
+        </p:nvCxnSpPr>
+        <p:spPr>
+          <a:xfrm>
+            <a:off x="2269170" y="1661160"/>
+            <a:ext cx="339090" cy="0"/>
+          </a:xfrm>
+          <a:prstGeom prst="line">
+            <a:avLst/>
+          </a:prstGeom>
+          <a:ln w="57150">
+            <a:solidFill>
+              <a:srgbClr val="0070C0"/>
+            </a:solidFill>
+          </a:ln>
+        </p:spPr>
+        <p:style>
+          <a:lnRef idx="2">
+            <a:schemeClr val="accent1"/>
+          </a:lnRef>
+          <a:fillRef idx="0">
+            <a:schemeClr val="accent1"/>
+          </a:fillRef>
+          <a:effectRef idx="1">
+            <a:schemeClr val="accent1"/>
+          </a:effectRef>
+          <a:fontRef idx="minor">
+            <a:schemeClr val="tx1"/>
+          </a:fontRef>
+        </p:style>
+      </p:cxnSp>
+      <p:cxnSp>
+        <p:nvCxnSpPr>
+          <p:cNvPr id="46" name="Connecteur droit 45">
+            <a:extLst>
+              <a:ext uri="{FF2B5EF4-FFF2-40B4-BE49-F238E27FC236}">
+                <a16:creationId xmlns:a16="http://schemas.microsoft.com/office/drawing/2014/main" id="{4E0B5817-D781-20C3-8991-E9585606859E}"/>
+              </a:ext>
+            </a:extLst>
+          </p:cNvPr>
+          <p:cNvCxnSpPr>
+            <a:cxnSpLocks/>
+          </p:cNvCxnSpPr>
+          <p:nvPr/>
+        </p:nvCxnSpPr>
+        <p:spPr>
+          <a:xfrm flipV="1">
+            <a:off x="2608260" y="804120"/>
+            <a:ext cx="0" cy="857040"/>
+          </a:xfrm>
+          <a:prstGeom prst="line">
+            <a:avLst/>
+          </a:prstGeom>
+          <a:ln w="57150">
+            <a:solidFill>
+              <a:srgbClr val="0070C0"/>
+            </a:solidFill>
+          </a:ln>
+        </p:spPr>
+        <p:style>
+          <a:lnRef idx="2">
+            <a:schemeClr val="accent1"/>
+          </a:lnRef>
+          <a:fillRef idx="0">
+            <a:schemeClr val="accent1"/>
+          </a:fillRef>
+          <a:effectRef idx="1">
+            <a:schemeClr val="accent1"/>
+          </a:effectRef>
+          <a:fontRef idx="minor">
+            <a:schemeClr val="tx1"/>
+          </a:fontRef>
+        </p:style>
+      </p:cxnSp>
+      <p:sp>
+        <p:nvSpPr>
+          <p:cNvPr id="53" name="Ellipse 52">
+            <a:extLst>
+              <a:ext uri="{FF2B5EF4-FFF2-40B4-BE49-F238E27FC236}">
+                <a16:creationId xmlns:a16="http://schemas.microsoft.com/office/drawing/2014/main" id="{B647C696-F313-E32B-8C10-84EBE7B196A1}"/>
               </a:ext>
             </a:extLst>
           </p:cNvPr>
@@ -4039,14 +4183,14 @@
         </p:nvSpPr>
         <p:spPr>
           <a:xfrm>
-            <a:off x="2966355" y="2780715"/>
+            <a:off x="5044203" y="712784"/>
             <a:ext cx="159310" cy="159310"/>
           </a:xfrm>
           <a:prstGeom prst="ellipse">
             <a:avLst/>
           </a:prstGeom>
           <a:solidFill>
-            <a:srgbClr val="FF0000"/>
+            <a:srgbClr val="0070C0"/>
           </a:solidFill>
           <a:ln>
             <a:noFill/>
@@ -4077,12 +4221,139 @@
           </a:p>
         </p:txBody>
       </p:sp>
-      <p:sp>
-        <p:nvSpPr>
-          <p:cNvPr id="34" name="Ellipse 33">
-            <a:extLst>
-              <a:ext uri="{FF2B5EF4-FFF2-40B4-BE49-F238E27FC236}">
-                <a16:creationId xmlns:a16="http://schemas.microsoft.com/office/drawing/2014/main" id="{AA0F325C-7126-07B9-0157-9F806927DA1A}"/>
+      <p:cxnSp>
+        <p:nvCxnSpPr>
+          <p:cNvPr id="54" name="Connecteur droit 53">
+            <a:extLst>
+              <a:ext uri="{FF2B5EF4-FFF2-40B4-BE49-F238E27FC236}">
+                <a16:creationId xmlns:a16="http://schemas.microsoft.com/office/drawing/2014/main" id="{2E709428-6202-9695-6E1A-F7AD24E33571}"/>
+              </a:ext>
+            </a:extLst>
+          </p:cNvPr>
+          <p:cNvCxnSpPr/>
+          <p:nvPr/>
+        </p:nvCxnSpPr>
+        <p:spPr>
+          <a:xfrm>
+            <a:off x="4784768" y="1661160"/>
+            <a:ext cx="339090" cy="0"/>
+          </a:xfrm>
+          <a:prstGeom prst="line">
+            <a:avLst/>
+          </a:prstGeom>
+          <a:ln w="57150">
+            <a:solidFill>
+              <a:srgbClr val="0070C0"/>
+            </a:solidFill>
+          </a:ln>
+        </p:spPr>
+        <p:style>
+          <a:lnRef idx="2">
+            <a:schemeClr val="accent1"/>
+          </a:lnRef>
+          <a:fillRef idx="0">
+            <a:schemeClr val="accent1"/>
+          </a:fillRef>
+          <a:effectRef idx="1">
+            <a:schemeClr val="accent1"/>
+          </a:effectRef>
+          <a:fontRef idx="minor">
+            <a:schemeClr val="tx1"/>
+          </a:fontRef>
+        </p:style>
+      </p:cxnSp>
+      <p:cxnSp>
+        <p:nvCxnSpPr>
+          <p:cNvPr id="55" name="Connecteur droit 54">
+            <a:extLst>
+              <a:ext uri="{FF2B5EF4-FFF2-40B4-BE49-F238E27FC236}">
+                <a16:creationId xmlns:a16="http://schemas.microsoft.com/office/drawing/2014/main" id="{46B59E17-4884-BEE4-BF86-F078E5D024EA}"/>
+              </a:ext>
+            </a:extLst>
+          </p:cNvPr>
+          <p:cNvCxnSpPr>
+            <a:cxnSpLocks/>
+          </p:cNvCxnSpPr>
+          <p:nvPr/>
+        </p:nvCxnSpPr>
+        <p:spPr>
+          <a:xfrm flipV="1">
+            <a:off x="5123858" y="804120"/>
+            <a:ext cx="0" cy="857040"/>
+          </a:xfrm>
+          <a:prstGeom prst="line">
+            <a:avLst/>
+          </a:prstGeom>
+          <a:ln w="57150">
+            <a:solidFill>
+              <a:srgbClr val="0070C0"/>
+            </a:solidFill>
+          </a:ln>
+        </p:spPr>
+        <p:style>
+          <a:lnRef idx="2">
+            <a:schemeClr val="accent1"/>
+          </a:lnRef>
+          <a:fillRef idx="0">
+            <a:schemeClr val="accent1"/>
+          </a:fillRef>
+          <a:effectRef idx="1">
+            <a:schemeClr val="accent1"/>
+          </a:effectRef>
+          <a:fontRef idx="minor">
+            <a:schemeClr val="tx1"/>
+          </a:fontRef>
+        </p:style>
+      </p:cxnSp>
+      <p:cxnSp>
+        <p:nvCxnSpPr>
+          <p:cNvPr id="56" name="Connecteur droit 55">
+            <a:extLst>
+              <a:ext uri="{FF2B5EF4-FFF2-40B4-BE49-F238E27FC236}">
+                <a16:creationId xmlns:a16="http://schemas.microsoft.com/office/drawing/2014/main" id="{FDB0811F-839B-9B24-9E50-5621E173159D}"/>
+              </a:ext>
+            </a:extLst>
+          </p:cNvPr>
+          <p:cNvCxnSpPr>
+            <a:cxnSpLocks/>
+          </p:cNvCxnSpPr>
+          <p:nvPr/>
+        </p:nvCxnSpPr>
+        <p:spPr>
+          <a:xfrm flipV="1">
+            <a:off x="1213190" y="417277"/>
+            <a:ext cx="0" cy="3585342"/>
+          </a:xfrm>
+          <a:prstGeom prst="line">
+            <a:avLst/>
+          </a:prstGeom>
+          <a:ln w="57150">
+            <a:solidFill>
+              <a:srgbClr val="FF0000"/>
+            </a:solidFill>
+          </a:ln>
+        </p:spPr>
+        <p:style>
+          <a:lnRef idx="2">
+            <a:schemeClr val="accent1"/>
+          </a:lnRef>
+          <a:fillRef idx="0">
+            <a:schemeClr val="accent1"/>
+          </a:fillRef>
+          <a:effectRef idx="1">
+            <a:schemeClr val="accent1"/>
+          </a:effectRef>
+          <a:fontRef idx="minor">
+            <a:schemeClr val="tx1"/>
+          </a:fontRef>
+        </p:style>
+      </p:cxnSp>
+      <p:sp>
+        <p:nvSpPr>
+          <p:cNvPr id="58" name="Ellipse 57">
+            <a:extLst>
+              <a:ext uri="{FF2B5EF4-FFF2-40B4-BE49-F238E27FC236}">
+                <a16:creationId xmlns:a16="http://schemas.microsoft.com/office/drawing/2014/main" id="{568005A6-15F8-9304-14B9-A8FA1692B3BB}"/>
               </a:ext>
             </a:extLst>
           </p:cNvPr>
@@ -4091,7 +4362,7 @@
         </p:nvSpPr>
         <p:spPr>
           <a:xfrm>
-            <a:off x="5123858" y="2786128"/>
+            <a:off x="3720525" y="350107"/>
             <a:ext cx="159310" cy="159310"/>
           </a:xfrm>
           <a:prstGeom prst="ellipse">
@@ -4129,12 +4400,313 @@
           </a:p>
         </p:txBody>
       </p:sp>
-      <p:sp>
-        <p:nvSpPr>
-          <p:cNvPr id="35" name="Ellipse 34">
-            <a:extLst>
-              <a:ext uri="{FF2B5EF4-FFF2-40B4-BE49-F238E27FC236}">
-                <a16:creationId xmlns:a16="http://schemas.microsoft.com/office/drawing/2014/main" id="{616216D4-B847-6FFE-4065-EAABA2C88007}"/>
+      <p:cxnSp>
+        <p:nvCxnSpPr>
+          <p:cNvPr id="59" name="Connecteur droit 58">
+            <a:extLst>
+              <a:ext uri="{FF2B5EF4-FFF2-40B4-BE49-F238E27FC236}">
+                <a16:creationId xmlns:a16="http://schemas.microsoft.com/office/drawing/2014/main" id="{78823AC5-694F-C48B-C857-5EA2F85C8455}"/>
+              </a:ext>
+            </a:extLst>
+          </p:cNvPr>
+          <p:cNvCxnSpPr>
+            <a:cxnSpLocks/>
+          </p:cNvCxnSpPr>
+          <p:nvPr/>
+        </p:nvCxnSpPr>
+        <p:spPr>
+          <a:xfrm flipV="1">
+            <a:off x="3800180" y="449448"/>
+            <a:ext cx="0" cy="3585342"/>
+          </a:xfrm>
+          <a:prstGeom prst="line">
+            <a:avLst/>
+          </a:prstGeom>
+          <a:ln w="57150">
+            <a:solidFill>
+              <a:srgbClr val="FF0000"/>
+            </a:solidFill>
+          </a:ln>
+        </p:spPr>
+        <p:style>
+          <a:lnRef idx="2">
+            <a:schemeClr val="accent1"/>
+          </a:lnRef>
+          <a:fillRef idx="0">
+            <a:schemeClr val="accent1"/>
+          </a:fillRef>
+          <a:effectRef idx="1">
+            <a:schemeClr val="accent1"/>
+          </a:effectRef>
+          <a:fontRef idx="minor">
+            <a:schemeClr val="tx1"/>
+          </a:fontRef>
+        </p:style>
+      </p:cxnSp>
+      <p:cxnSp>
+        <p:nvCxnSpPr>
+          <p:cNvPr id="60" name="Connecteur droit 59">
+            <a:extLst>
+              <a:ext uri="{FF2B5EF4-FFF2-40B4-BE49-F238E27FC236}">
+                <a16:creationId xmlns:a16="http://schemas.microsoft.com/office/drawing/2014/main" id="{7A378642-5CED-82D0-98FB-52199302D096}"/>
+              </a:ext>
+            </a:extLst>
+          </p:cNvPr>
+          <p:cNvCxnSpPr>
+            <a:cxnSpLocks/>
+          </p:cNvCxnSpPr>
+          <p:nvPr/>
+        </p:nvCxnSpPr>
+        <p:spPr>
+          <a:xfrm flipV="1">
+            <a:off x="851240" y="2632710"/>
+            <a:ext cx="0" cy="1402080"/>
+          </a:xfrm>
+          <a:prstGeom prst="line">
+            <a:avLst/>
+          </a:prstGeom>
+          <a:ln w="57150">
+            <a:solidFill>
+              <a:srgbClr val="FFFF00"/>
+            </a:solidFill>
+          </a:ln>
+        </p:spPr>
+        <p:style>
+          <a:lnRef idx="2">
+            <a:schemeClr val="accent1"/>
+          </a:lnRef>
+          <a:fillRef idx="0">
+            <a:schemeClr val="accent1"/>
+          </a:fillRef>
+          <a:effectRef idx="1">
+            <a:schemeClr val="accent1"/>
+          </a:effectRef>
+          <a:fontRef idx="minor">
+            <a:schemeClr val="tx1"/>
+          </a:fontRef>
+        </p:style>
+      </p:cxnSp>
+      <p:cxnSp>
+        <p:nvCxnSpPr>
+          <p:cNvPr id="62" name="Connecteur droit 61">
+            <a:extLst>
+              <a:ext uri="{FF2B5EF4-FFF2-40B4-BE49-F238E27FC236}">
+                <a16:creationId xmlns:a16="http://schemas.microsoft.com/office/drawing/2014/main" id="{0C6AE931-D945-A992-943F-2168AA8609C9}"/>
+              </a:ext>
+            </a:extLst>
+          </p:cNvPr>
+          <p:cNvCxnSpPr>
+            <a:cxnSpLocks/>
+          </p:cNvCxnSpPr>
+          <p:nvPr/>
+        </p:nvCxnSpPr>
+        <p:spPr>
+          <a:xfrm flipV="1">
+            <a:off x="851239" y="2653263"/>
+            <a:ext cx="1757021" cy="6426"/>
+          </a:xfrm>
+          <a:prstGeom prst="line">
+            <a:avLst/>
+          </a:prstGeom>
+          <a:ln w="57150">
+            <a:solidFill>
+              <a:srgbClr val="FFFF00"/>
+            </a:solidFill>
+          </a:ln>
+        </p:spPr>
+        <p:style>
+          <a:lnRef idx="2">
+            <a:schemeClr val="accent1"/>
+          </a:lnRef>
+          <a:fillRef idx="0">
+            <a:schemeClr val="accent1"/>
+          </a:fillRef>
+          <a:effectRef idx="1">
+            <a:schemeClr val="accent1"/>
+          </a:effectRef>
+          <a:fontRef idx="minor">
+            <a:schemeClr val="tx1"/>
+          </a:fontRef>
+        </p:style>
+      </p:cxnSp>
+      <p:cxnSp>
+        <p:nvCxnSpPr>
+          <p:cNvPr id="65" name="Connecteur droit 64">
+            <a:extLst>
+              <a:ext uri="{FF2B5EF4-FFF2-40B4-BE49-F238E27FC236}">
+                <a16:creationId xmlns:a16="http://schemas.microsoft.com/office/drawing/2014/main" id="{55C143E1-34B1-2EDD-AADB-4712E679ECDB}"/>
+              </a:ext>
+            </a:extLst>
+          </p:cNvPr>
+          <p:cNvCxnSpPr>
+            <a:cxnSpLocks/>
+          </p:cNvCxnSpPr>
+          <p:nvPr/>
+        </p:nvCxnSpPr>
+        <p:spPr>
+          <a:xfrm flipV="1">
+            <a:off x="2586695" y="2186714"/>
+            <a:ext cx="0" cy="497431"/>
+          </a:xfrm>
+          <a:prstGeom prst="line">
+            <a:avLst/>
+          </a:prstGeom>
+          <a:ln w="57150">
+            <a:solidFill>
+              <a:srgbClr val="FFFF00"/>
+            </a:solidFill>
+          </a:ln>
+        </p:spPr>
+        <p:style>
+          <a:lnRef idx="2">
+            <a:schemeClr val="accent1"/>
+          </a:lnRef>
+          <a:fillRef idx="0">
+            <a:schemeClr val="accent1"/>
+          </a:fillRef>
+          <a:effectRef idx="1">
+            <a:schemeClr val="accent1"/>
+          </a:effectRef>
+          <a:fontRef idx="minor">
+            <a:schemeClr val="tx1"/>
+          </a:fontRef>
+        </p:style>
+      </p:cxnSp>
+      <p:cxnSp>
+        <p:nvCxnSpPr>
+          <p:cNvPr id="68" name="Connecteur droit 67">
+            <a:extLst>
+              <a:ext uri="{FF2B5EF4-FFF2-40B4-BE49-F238E27FC236}">
+                <a16:creationId xmlns:a16="http://schemas.microsoft.com/office/drawing/2014/main" id="{BDA58327-E6BF-5F28-55D7-1369C4244C6B}"/>
+              </a:ext>
+            </a:extLst>
+          </p:cNvPr>
+          <p:cNvCxnSpPr>
+            <a:cxnSpLocks/>
+          </p:cNvCxnSpPr>
+          <p:nvPr/>
+        </p:nvCxnSpPr>
+        <p:spPr>
+          <a:xfrm flipV="1">
+            <a:off x="3450823" y="2632710"/>
+            <a:ext cx="0" cy="1402080"/>
+          </a:xfrm>
+          <a:prstGeom prst="line">
+            <a:avLst/>
+          </a:prstGeom>
+          <a:ln w="57150">
+            <a:solidFill>
+              <a:srgbClr val="FFFF00"/>
+            </a:solidFill>
+          </a:ln>
+        </p:spPr>
+        <p:style>
+          <a:lnRef idx="2">
+            <a:schemeClr val="accent1"/>
+          </a:lnRef>
+          <a:fillRef idx="0">
+            <a:schemeClr val="accent1"/>
+          </a:fillRef>
+          <a:effectRef idx="1">
+            <a:schemeClr val="accent1"/>
+          </a:effectRef>
+          <a:fontRef idx="minor">
+            <a:schemeClr val="tx1"/>
+          </a:fontRef>
+        </p:style>
+      </p:cxnSp>
+      <p:cxnSp>
+        <p:nvCxnSpPr>
+          <p:cNvPr id="69" name="Connecteur droit 68">
+            <a:extLst>
+              <a:ext uri="{FF2B5EF4-FFF2-40B4-BE49-F238E27FC236}">
+                <a16:creationId xmlns:a16="http://schemas.microsoft.com/office/drawing/2014/main" id="{23384112-C37E-057A-8A46-65FCFAC9C0EC}"/>
+              </a:ext>
+            </a:extLst>
+          </p:cNvPr>
+          <p:cNvCxnSpPr>
+            <a:cxnSpLocks/>
+          </p:cNvCxnSpPr>
+          <p:nvPr/>
+        </p:nvCxnSpPr>
+        <p:spPr>
+          <a:xfrm>
+            <a:off x="3443639" y="2659689"/>
+            <a:ext cx="1650331" cy="0"/>
+          </a:xfrm>
+          <a:prstGeom prst="line">
+            <a:avLst/>
+          </a:prstGeom>
+          <a:ln w="57150">
+            <a:solidFill>
+              <a:srgbClr val="FFFF00"/>
+            </a:solidFill>
+          </a:ln>
+        </p:spPr>
+        <p:style>
+          <a:lnRef idx="2">
+            <a:schemeClr val="accent1"/>
+          </a:lnRef>
+          <a:fillRef idx="0">
+            <a:schemeClr val="accent1"/>
+          </a:fillRef>
+          <a:effectRef idx="1">
+            <a:schemeClr val="accent1"/>
+          </a:effectRef>
+          <a:fontRef idx="minor">
+            <a:schemeClr val="tx1"/>
+          </a:fontRef>
+        </p:style>
+      </p:cxnSp>
+      <p:cxnSp>
+        <p:nvCxnSpPr>
+          <p:cNvPr id="70" name="Connecteur droit 69">
+            <a:extLst>
+              <a:ext uri="{FF2B5EF4-FFF2-40B4-BE49-F238E27FC236}">
+                <a16:creationId xmlns:a16="http://schemas.microsoft.com/office/drawing/2014/main" id="{A7237E49-E0A5-7C73-86FF-EEA38F6DAA51}"/>
+              </a:ext>
+            </a:extLst>
+          </p:cNvPr>
+          <p:cNvCxnSpPr>
+            <a:cxnSpLocks/>
+          </p:cNvCxnSpPr>
+          <p:nvPr/>
+        </p:nvCxnSpPr>
+        <p:spPr>
+          <a:xfrm flipV="1">
+            <a:off x="5072555" y="2186714"/>
+            <a:ext cx="0" cy="497431"/>
+          </a:xfrm>
+          <a:prstGeom prst="line">
+            <a:avLst/>
+          </a:prstGeom>
+          <a:ln w="57150">
+            <a:solidFill>
+              <a:srgbClr val="FFFF00"/>
+            </a:solidFill>
+          </a:ln>
+        </p:spPr>
+        <p:style>
+          <a:lnRef idx="2">
+            <a:schemeClr val="accent1"/>
+          </a:lnRef>
+          <a:fillRef idx="0">
+            <a:schemeClr val="accent1"/>
+          </a:fillRef>
+          <a:effectRef idx="1">
+            <a:schemeClr val="accent1"/>
+          </a:effectRef>
+          <a:fontRef idx="minor">
+            <a:schemeClr val="tx1"/>
+          </a:fontRef>
+        </p:style>
+      </p:cxnSp>
+      <p:sp>
+        <p:nvSpPr>
+          <p:cNvPr id="72" name="Ellipse 71">
+            <a:extLst>
+              <a:ext uri="{FF2B5EF4-FFF2-40B4-BE49-F238E27FC236}">
+                <a16:creationId xmlns:a16="http://schemas.microsoft.com/office/drawing/2014/main" id="{58C7B68F-05E9-A7DB-E8B0-E61CAE110D6A}"/>
               </a:ext>
             </a:extLst>
           </p:cNvPr>
@@ -4143,7 +4715,7 @@
         </p:nvSpPr>
         <p:spPr>
           <a:xfrm>
-            <a:off x="1849785" y="2780715"/>
+            <a:off x="8944304" y="359145"/>
             <a:ext cx="159310" cy="159310"/>
           </a:xfrm>
           <a:prstGeom prst="ellipse">
@@ -4181,12 +4753,150 @@
           </a:p>
         </p:txBody>
       </p:sp>
+      <p:cxnSp>
+        <p:nvCxnSpPr>
+          <p:cNvPr id="73" name="Connecteur droit 72">
+            <a:extLst>
+              <a:ext uri="{FF2B5EF4-FFF2-40B4-BE49-F238E27FC236}">
+                <a16:creationId xmlns:a16="http://schemas.microsoft.com/office/drawing/2014/main" id="{6A25F0E0-8B8C-F413-280E-5627AE8F5F38}"/>
+              </a:ext>
+            </a:extLst>
+          </p:cNvPr>
+          <p:cNvCxnSpPr>
+            <a:cxnSpLocks/>
+          </p:cNvCxnSpPr>
+          <p:nvPr/>
+        </p:nvCxnSpPr>
+        <p:spPr>
+          <a:xfrm flipV="1">
+            <a:off x="9023959" y="449448"/>
+            <a:ext cx="0" cy="866907"/>
+          </a:xfrm>
+          <a:prstGeom prst="line">
+            <a:avLst/>
+          </a:prstGeom>
+          <a:ln w="57150">
+            <a:solidFill>
+              <a:srgbClr val="FF0000"/>
+            </a:solidFill>
+          </a:ln>
+        </p:spPr>
+        <p:style>
+          <a:lnRef idx="2">
+            <a:schemeClr val="accent1"/>
+          </a:lnRef>
+          <a:fillRef idx="0">
+            <a:schemeClr val="accent1"/>
+          </a:fillRef>
+          <a:effectRef idx="1">
+            <a:schemeClr val="accent1"/>
+          </a:effectRef>
+          <a:fontRef idx="minor">
+            <a:schemeClr val="tx1"/>
+          </a:fontRef>
+        </p:style>
+      </p:cxnSp>
+      <p:sp>
+        <p:nvSpPr>
+          <p:cNvPr id="74" name="Ellipse 73">
+            <a:extLst>
+              <a:ext uri="{FF2B5EF4-FFF2-40B4-BE49-F238E27FC236}">
+                <a16:creationId xmlns:a16="http://schemas.microsoft.com/office/drawing/2014/main" id="{0DB9A8C5-5EA6-D11D-B948-F3BECF7360A9}"/>
+              </a:ext>
+            </a:extLst>
+          </p:cNvPr>
+          <p:cNvSpPr/>
+          <p:nvPr/>
+        </p:nvSpPr>
+        <p:spPr>
+          <a:xfrm>
+            <a:off x="9761238" y="712784"/>
+            <a:ext cx="159310" cy="159310"/>
+          </a:xfrm>
+          <a:prstGeom prst="ellipse">
+            <a:avLst/>
+          </a:prstGeom>
+          <a:solidFill>
+            <a:srgbClr val="0070C0"/>
+          </a:solidFill>
+          <a:ln>
+            <a:noFill/>
+          </a:ln>
+        </p:spPr>
+        <p:style>
+          <a:lnRef idx="2">
+            <a:schemeClr val="accent1">
+              <a:shade val="50000"/>
+            </a:schemeClr>
+          </a:lnRef>
+          <a:fillRef idx="1">
+            <a:schemeClr val="accent1"/>
+          </a:fillRef>
+          <a:effectRef idx="0">
+            <a:schemeClr val="accent1"/>
+          </a:effectRef>
+          <a:fontRef idx="minor">
+            <a:schemeClr val="lt1"/>
+          </a:fontRef>
+        </p:style>
+        <p:txBody>
+          <a:bodyPr rtlCol="0" anchor="ctr"/>
+          <a:lstStyle/>
+          <a:p>
+            <a:pPr algn="ctr"/>
+            <a:endParaRPr lang="fr-FR"/>
+          </a:p>
+        </p:txBody>
+      </p:sp>
+      <p:cxnSp>
+        <p:nvCxnSpPr>
+          <p:cNvPr id="75" name="Connecteur droit 74">
+            <a:extLst>
+              <a:ext uri="{FF2B5EF4-FFF2-40B4-BE49-F238E27FC236}">
+                <a16:creationId xmlns:a16="http://schemas.microsoft.com/office/drawing/2014/main" id="{51EE376F-AAF5-5544-D571-130D1D018795}"/>
+              </a:ext>
+            </a:extLst>
+          </p:cNvPr>
+          <p:cNvCxnSpPr>
+            <a:cxnSpLocks/>
+          </p:cNvCxnSpPr>
+          <p:nvPr/>
+        </p:nvCxnSpPr>
+        <p:spPr>
+          <a:xfrm flipV="1">
+            <a:off x="9840893" y="804120"/>
+            <a:ext cx="0" cy="512235"/>
+          </a:xfrm>
+          <a:prstGeom prst="line">
+            <a:avLst/>
+          </a:prstGeom>
+          <a:ln w="57150">
+            <a:solidFill>
+              <a:srgbClr val="0070C0"/>
+            </a:solidFill>
+          </a:ln>
+        </p:spPr>
+        <p:style>
+          <a:lnRef idx="2">
+            <a:schemeClr val="accent1"/>
+          </a:lnRef>
+          <a:fillRef idx="0">
+            <a:schemeClr val="accent1"/>
+          </a:fillRef>
+          <a:effectRef idx="1">
+            <a:schemeClr val="accent1"/>
+          </a:effectRef>
+          <a:fontRef idx="minor">
+            <a:schemeClr val="tx1"/>
+          </a:fontRef>
+        </p:style>
+      </p:cxnSp>
       <p:pic>
         <p:nvPicPr>
-          <p:cNvPr id="40" name="Image 39" descr="Une image contenant diagramme, ligne, croquis, conception&#10;&#10;Description générée automatiquement">
-            <a:extLst>
-              <a:ext uri="{FF2B5EF4-FFF2-40B4-BE49-F238E27FC236}">
-                <a16:creationId xmlns:a16="http://schemas.microsoft.com/office/drawing/2014/main" id="{1421784F-5F80-8FCE-FBDB-341E7CA25E04}"/>
+          <p:cNvPr id="78" name="Image 77" descr="Une image contenant art&#10;&#10;Description générée automatiquement avec une confiance faible">
+            <a:extLst>
+              <a:ext uri="{FF2B5EF4-FFF2-40B4-BE49-F238E27FC236}">
+                <a16:creationId xmlns:a16="http://schemas.microsoft.com/office/drawing/2014/main" id="{03A38833-8A48-4760-DEB1-DF74251F203E}"/>
               </a:ext>
             </a:extLst>
           </p:cNvPr>
@@ -4196,7 +4906,7 @@
           <p:nvPr/>
         </p:nvPicPr>
         <p:blipFill>
-          <a:blip r:embed="rId6">
+          <a:blip r:embed="rId7">
             <a:extLst>
               <a:ext uri="{28A0092B-C50C-407E-A947-70E740481C1C}">
                 <a14:useLocalDpi xmlns:a14="http://schemas.microsoft.com/office/drawing/2010/main" val="0"/>
@@ -4209,14 +4919,1489 @@
         </p:blipFill>
         <p:spPr>
           <a:xfrm>
-            <a:off x="9023959" y="3743745"/>
-            <a:ext cx="914400" cy="1066800"/>
+            <a:off x="4029439" y="5086022"/>
+            <a:ext cx="602512" cy="161618"/>
           </a:xfrm>
           <a:prstGeom prst="rect">
             <a:avLst/>
           </a:prstGeom>
         </p:spPr>
       </p:pic>
+      <p:cxnSp>
+        <p:nvCxnSpPr>
+          <p:cNvPr id="79" name="Connecteur droit 78">
+            <a:extLst>
+              <a:ext uri="{FF2B5EF4-FFF2-40B4-BE49-F238E27FC236}">
+                <a16:creationId xmlns:a16="http://schemas.microsoft.com/office/drawing/2014/main" id="{982D64CB-7D29-B566-ADA3-8DBB9A985456}"/>
+              </a:ext>
+            </a:extLst>
+          </p:cNvPr>
+          <p:cNvCxnSpPr>
+            <a:cxnSpLocks/>
+          </p:cNvCxnSpPr>
+          <p:nvPr/>
+        </p:nvCxnSpPr>
+        <p:spPr>
+          <a:xfrm flipV="1">
+            <a:off x="1213190" y="4976031"/>
+            <a:ext cx="0" cy="216999"/>
+          </a:xfrm>
+          <a:prstGeom prst="line">
+            <a:avLst/>
+          </a:prstGeom>
+          <a:ln w="57150">
+            <a:solidFill>
+              <a:srgbClr val="FF0000"/>
+            </a:solidFill>
+          </a:ln>
+        </p:spPr>
+        <p:style>
+          <a:lnRef idx="2">
+            <a:schemeClr val="accent1"/>
+          </a:lnRef>
+          <a:fillRef idx="0">
+            <a:schemeClr val="accent1"/>
+          </a:fillRef>
+          <a:effectRef idx="1">
+            <a:schemeClr val="accent1"/>
+          </a:effectRef>
+          <a:fontRef idx="minor">
+            <a:schemeClr val="tx1"/>
+          </a:fontRef>
+        </p:style>
+      </p:cxnSp>
+      <p:cxnSp>
+        <p:nvCxnSpPr>
+          <p:cNvPr id="80" name="Connecteur droit 79">
+            <a:extLst>
+              <a:ext uri="{FF2B5EF4-FFF2-40B4-BE49-F238E27FC236}">
+                <a16:creationId xmlns:a16="http://schemas.microsoft.com/office/drawing/2014/main" id="{6490CF18-0C04-E49C-2849-C13A58B8CF68}"/>
+              </a:ext>
+            </a:extLst>
+          </p:cNvPr>
+          <p:cNvCxnSpPr>
+            <a:cxnSpLocks/>
+            <a:endCxn id="17" idx="1"/>
+          </p:cNvCxnSpPr>
+          <p:nvPr/>
+        </p:nvCxnSpPr>
+        <p:spPr>
+          <a:xfrm>
+            <a:off x="1186815" y="5166831"/>
+            <a:ext cx="272144" cy="0"/>
+          </a:xfrm>
+          <a:prstGeom prst="line">
+            <a:avLst/>
+          </a:prstGeom>
+          <a:ln w="57150">
+            <a:solidFill>
+              <a:srgbClr val="FF0000"/>
+            </a:solidFill>
+          </a:ln>
+        </p:spPr>
+        <p:style>
+          <a:lnRef idx="2">
+            <a:schemeClr val="accent1"/>
+          </a:lnRef>
+          <a:fillRef idx="0">
+            <a:schemeClr val="accent1"/>
+          </a:fillRef>
+          <a:effectRef idx="1">
+            <a:schemeClr val="accent1"/>
+          </a:effectRef>
+          <a:fontRef idx="minor">
+            <a:schemeClr val="tx1"/>
+          </a:fontRef>
+        </p:style>
+      </p:cxnSp>
+      <p:cxnSp>
+        <p:nvCxnSpPr>
+          <p:cNvPr id="84" name="Connecteur droit 83">
+            <a:extLst>
+              <a:ext uri="{FF2B5EF4-FFF2-40B4-BE49-F238E27FC236}">
+                <a16:creationId xmlns:a16="http://schemas.microsoft.com/office/drawing/2014/main" id="{9A0AFB27-8CBC-E6A7-9801-ABA116FC6A7A}"/>
+              </a:ext>
+            </a:extLst>
+          </p:cNvPr>
+          <p:cNvCxnSpPr>
+            <a:cxnSpLocks/>
+          </p:cNvCxnSpPr>
+          <p:nvPr/>
+        </p:nvCxnSpPr>
+        <p:spPr>
+          <a:xfrm flipV="1">
+            <a:off x="3807171" y="4976031"/>
+            <a:ext cx="0" cy="216999"/>
+          </a:xfrm>
+          <a:prstGeom prst="line">
+            <a:avLst/>
+          </a:prstGeom>
+          <a:ln w="57150">
+            <a:solidFill>
+              <a:srgbClr val="FF0000"/>
+            </a:solidFill>
+          </a:ln>
+        </p:spPr>
+        <p:style>
+          <a:lnRef idx="2">
+            <a:schemeClr val="accent1"/>
+          </a:lnRef>
+          <a:fillRef idx="0">
+            <a:schemeClr val="accent1"/>
+          </a:fillRef>
+          <a:effectRef idx="1">
+            <a:schemeClr val="accent1"/>
+          </a:effectRef>
+          <a:fontRef idx="minor">
+            <a:schemeClr val="tx1"/>
+          </a:fontRef>
+        </p:style>
+      </p:cxnSp>
+      <p:cxnSp>
+        <p:nvCxnSpPr>
+          <p:cNvPr id="85" name="Connecteur droit 84">
+            <a:extLst>
+              <a:ext uri="{FF2B5EF4-FFF2-40B4-BE49-F238E27FC236}">
+                <a16:creationId xmlns:a16="http://schemas.microsoft.com/office/drawing/2014/main" id="{0BFC2F0F-6BFD-3557-E865-22FA0F061216}"/>
+              </a:ext>
+            </a:extLst>
+          </p:cNvPr>
+          <p:cNvCxnSpPr>
+            <a:cxnSpLocks/>
+          </p:cNvCxnSpPr>
+          <p:nvPr/>
+        </p:nvCxnSpPr>
+        <p:spPr>
+          <a:xfrm>
+            <a:off x="3780796" y="5166831"/>
+            <a:ext cx="272144" cy="0"/>
+          </a:xfrm>
+          <a:prstGeom prst="line">
+            <a:avLst/>
+          </a:prstGeom>
+          <a:ln w="57150">
+            <a:solidFill>
+              <a:srgbClr val="FF0000"/>
+            </a:solidFill>
+          </a:ln>
+        </p:spPr>
+        <p:style>
+          <a:lnRef idx="2">
+            <a:schemeClr val="accent1"/>
+          </a:lnRef>
+          <a:fillRef idx="0">
+            <a:schemeClr val="accent1"/>
+          </a:fillRef>
+          <a:effectRef idx="1">
+            <a:schemeClr val="accent1"/>
+          </a:effectRef>
+          <a:fontRef idx="minor">
+            <a:schemeClr val="tx1"/>
+          </a:fontRef>
+        </p:style>
+      </p:cxnSp>
+      <p:sp>
+        <p:nvSpPr>
+          <p:cNvPr id="86" name="Ellipse 85">
+            <a:extLst>
+              <a:ext uri="{FF2B5EF4-FFF2-40B4-BE49-F238E27FC236}">
+                <a16:creationId xmlns:a16="http://schemas.microsoft.com/office/drawing/2014/main" id="{3E0699B6-CA0F-637F-4985-8EC12ED3EF6C}"/>
+              </a:ext>
+            </a:extLst>
+          </p:cNvPr>
+          <p:cNvSpPr/>
+          <p:nvPr/>
+        </p:nvSpPr>
+        <p:spPr>
+          <a:xfrm>
+            <a:off x="1975168" y="2780715"/>
+            <a:ext cx="159310" cy="159310"/>
+          </a:xfrm>
+          <a:prstGeom prst="ellipse">
+            <a:avLst/>
+          </a:prstGeom>
+          <a:solidFill>
+            <a:srgbClr val="FF0000"/>
+          </a:solidFill>
+          <a:ln>
+            <a:noFill/>
+          </a:ln>
+        </p:spPr>
+        <p:style>
+          <a:lnRef idx="2">
+            <a:schemeClr val="accent1">
+              <a:shade val="50000"/>
+            </a:schemeClr>
+          </a:lnRef>
+          <a:fillRef idx="1">
+            <a:schemeClr val="accent1"/>
+          </a:fillRef>
+          <a:effectRef idx="0">
+            <a:schemeClr val="accent1"/>
+          </a:effectRef>
+          <a:fontRef idx="minor">
+            <a:schemeClr val="lt1"/>
+          </a:fontRef>
+        </p:style>
+        <p:txBody>
+          <a:bodyPr rtlCol="0" anchor="ctr"/>
+          <a:lstStyle/>
+          <a:p>
+            <a:pPr algn="ctr"/>
+            <a:endParaRPr lang="fr-FR"/>
+          </a:p>
+        </p:txBody>
+      </p:sp>
+      <p:cxnSp>
+        <p:nvCxnSpPr>
+          <p:cNvPr id="87" name="Connecteur droit 86">
+            <a:extLst>
+              <a:ext uri="{FF2B5EF4-FFF2-40B4-BE49-F238E27FC236}">
+                <a16:creationId xmlns:a16="http://schemas.microsoft.com/office/drawing/2014/main" id="{1F958866-633A-1759-8FEF-0A34AA2D2238}"/>
+              </a:ext>
+            </a:extLst>
+          </p:cNvPr>
+          <p:cNvCxnSpPr>
+            <a:cxnSpLocks/>
+            <a:stCxn id="17" idx="3"/>
+          </p:cNvCxnSpPr>
+          <p:nvPr/>
+        </p:nvCxnSpPr>
+        <p:spPr>
+          <a:xfrm flipH="1" flipV="1">
+            <a:off x="2054823" y="2862751"/>
+            <a:ext cx="6648" cy="2304080"/>
+          </a:xfrm>
+          <a:prstGeom prst="line">
+            <a:avLst/>
+          </a:prstGeom>
+          <a:ln w="57150">
+            <a:solidFill>
+              <a:srgbClr val="FF0000"/>
+            </a:solidFill>
+          </a:ln>
+        </p:spPr>
+        <p:style>
+          <a:lnRef idx="2">
+            <a:schemeClr val="accent1"/>
+          </a:lnRef>
+          <a:fillRef idx="0">
+            <a:schemeClr val="accent1"/>
+          </a:fillRef>
+          <a:effectRef idx="1">
+            <a:schemeClr val="accent1"/>
+          </a:effectRef>
+          <a:fontRef idx="minor">
+            <a:schemeClr val="tx1"/>
+          </a:fontRef>
+        </p:style>
+      </p:cxnSp>
+      <p:sp>
+        <p:nvSpPr>
+          <p:cNvPr id="89" name="Ellipse 88">
+            <a:extLst>
+              <a:ext uri="{FF2B5EF4-FFF2-40B4-BE49-F238E27FC236}">
+                <a16:creationId xmlns:a16="http://schemas.microsoft.com/office/drawing/2014/main" id="{F87DF595-C3A6-C463-4EC8-1C2EFF39E104}"/>
+              </a:ext>
+            </a:extLst>
+          </p:cNvPr>
+          <p:cNvSpPr/>
+          <p:nvPr/>
+        </p:nvSpPr>
+        <p:spPr>
+          <a:xfrm>
+            <a:off x="4526321" y="2780715"/>
+            <a:ext cx="159310" cy="159310"/>
+          </a:xfrm>
+          <a:prstGeom prst="ellipse">
+            <a:avLst/>
+          </a:prstGeom>
+          <a:solidFill>
+            <a:srgbClr val="FF0000"/>
+          </a:solidFill>
+          <a:ln>
+            <a:noFill/>
+          </a:ln>
+        </p:spPr>
+        <p:style>
+          <a:lnRef idx="2">
+            <a:schemeClr val="accent1">
+              <a:shade val="50000"/>
+            </a:schemeClr>
+          </a:lnRef>
+          <a:fillRef idx="1">
+            <a:schemeClr val="accent1"/>
+          </a:fillRef>
+          <a:effectRef idx="0">
+            <a:schemeClr val="accent1"/>
+          </a:effectRef>
+          <a:fontRef idx="minor">
+            <a:schemeClr val="lt1"/>
+          </a:fontRef>
+        </p:style>
+        <p:txBody>
+          <a:bodyPr rtlCol="0" anchor="ctr"/>
+          <a:lstStyle/>
+          <a:p>
+            <a:pPr algn="ctr"/>
+            <a:endParaRPr lang="fr-FR"/>
+          </a:p>
+        </p:txBody>
+      </p:sp>
+      <p:cxnSp>
+        <p:nvCxnSpPr>
+          <p:cNvPr id="90" name="Connecteur droit 89">
+            <a:extLst>
+              <a:ext uri="{FF2B5EF4-FFF2-40B4-BE49-F238E27FC236}">
+                <a16:creationId xmlns:a16="http://schemas.microsoft.com/office/drawing/2014/main" id="{16BBD7E1-6C83-78A2-613D-AFE0BE8A2282}"/>
+              </a:ext>
+            </a:extLst>
+          </p:cNvPr>
+          <p:cNvCxnSpPr>
+            <a:cxnSpLocks/>
+          </p:cNvCxnSpPr>
+          <p:nvPr/>
+        </p:nvCxnSpPr>
+        <p:spPr>
+          <a:xfrm flipH="1" flipV="1">
+            <a:off x="4605976" y="2862751"/>
+            <a:ext cx="6648" cy="2304080"/>
+          </a:xfrm>
+          <a:prstGeom prst="line">
+            <a:avLst/>
+          </a:prstGeom>
+          <a:ln w="57150">
+            <a:solidFill>
+              <a:srgbClr val="FF0000"/>
+            </a:solidFill>
+          </a:ln>
+        </p:spPr>
+        <p:style>
+          <a:lnRef idx="2">
+            <a:schemeClr val="accent1"/>
+          </a:lnRef>
+          <a:fillRef idx="0">
+            <a:schemeClr val="accent1"/>
+          </a:fillRef>
+          <a:effectRef idx="1">
+            <a:schemeClr val="accent1"/>
+          </a:effectRef>
+          <a:fontRef idx="minor">
+            <a:schemeClr val="tx1"/>
+          </a:fontRef>
+        </p:style>
+      </p:cxnSp>
+      <p:cxnSp>
+        <p:nvCxnSpPr>
+          <p:cNvPr id="93" name="Connecteur droit 92">
+            <a:extLst>
+              <a:ext uri="{FF2B5EF4-FFF2-40B4-BE49-F238E27FC236}">
+                <a16:creationId xmlns:a16="http://schemas.microsoft.com/office/drawing/2014/main" id="{5EBCB961-1A7A-08CB-1B95-58A0EAB9894C}"/>
+              </a:ext>
+            </a:extLst>
+          </p:cNvPr>
+          <p:cNvCxnSpPr>
+            <a:cxnSpLocks/>
+          </p:cNvCxnSpPr>
+          <p:nvPr/>
+        </p:nvCxnSpPr>
+        <p:spPr>
+          <a:xfrm flipV="1">
+            <a:off x="3807171" y="5193030"/>
+            <a:ext cx="0" cy="186690"/>
+          </a:xfrm>
+          <a:prstGeom prst="line">
+            <a:avLst/>
+          </a:prstGeom>
+          <a:ln w="57150">
+            <a:solidFill>
+              <a:srgbClr val="FFFF00"/>
+            </a:solidFill>
+          </a:ln>
+        </p:spPr>
+        <p:style>
+          <a:lnRef idx="2">
+            <a:schemeClr val="accent1"/>
+          </a:lnRef>
+          <a:fillRef idx="0">
+            <a:schemeClr val="accent1"/>
+          </a:fillRef>
+          <a:effectRef idx="1">
+            <a:schemeClr val="accent1"/>
+          </a:effectRef>
+          <a:fontRef idx="minor">
+            <a:schemeClr val="tx1"/>
+          </a:fontRef>
+        </p:style>
+      </p:cxnSp>
+      <p:cxnSp>
+        <p:nvCxnSpPr>
+          <p:cNvPr id="95" name="Connecteur droit 94">
+            <a:extLst>
+              <a:ext uri="{FF2B5EF4-FFF2-40B4-BE49-F238E27FC236}">
+                <a16:creationId xmlns:a16="http://schemas.microsoft.com/office/drawing/2014/main" id="{8FF491BC-5B74-21BE-2DE3-5281BE26ECA0}"/>
+              </a:ext>
+            </a:extLst>
+          </p:cNvPr>
+          <p:cNvCxnSpPr>
+            <a:cxnSpLocks/>
+          </p:cNvCxnSpPr>
+          <p:nvPr/>
+        </p:nvCxnSpPr>
+        <p:spPr>
+          <a:xfrm>
+            <a:off x="3780796" y="5364789"/>
+            <a:ext cx="959968" cy="0"/>
+          </a:xfrm>
+          <a:prstGeom prst="line">
+            <a:avLst/>
+          </a:prstGeom>
+          <a:ln w="57150">
+            <a:solidFill>
+              <a:srgbClr val="FFFF00"/>
+            </a:solidFill>
+          </a:ln>
+        </p:spPr>
+        <p:style>
+          <a:lnRef idx="2">
+            <a:schemeClr val="accent1"/>
+          </a:lnRef>
+          <a:fillRef idx="0">
+            <a:schemeClr val="accent1"/>
+          </a:fillRef>
+          <a:effectRef idx="1">
+            <a:schemeClr val="accent1"/>
+          </a:effectRef>
+          <a:fontRef idx="minor">
+            <a:schemeClr val="tx1"/>
+          </a:fontRef>
+        </p:style>
+      </p:cxnSp>
+      <p:cxnSp>
+        <p:nvCxnSpPr>
+          <p:cNvPr id="97" name="Connecteur droit 96">
+            <a:extLst>
+              <a:ext uri="{FF2B5EF4-FFF2-40B4-BE49-F238E27FC236}">
+                <a16:creationId xmlns:a16="http://schemas.microsoft.com/office/drawing/2014/main" id="{C552C49D-A16C-9ADD-C642-0359924D13A5}"/>
+              </a:ext>
+            </a:extLst>
+          </p:cNvPr>
+          <p:cNvCxnSpPr>
+            <a:cxnSpLocks/>
+          </p:cNvCxnSpPr>
+          <p:nvPr/>
+        </p:nvCxnSpPr>
+        <p:spPr>
+          <a:xfrm flipV="1">
+            <a:off x="4710141" y="4034790"/>
+            <a:ext cx="0" cy="1344930"/>
+          </a:xfrm>
+          <a:prstGeom prst="line">
+            <a:avLst/>
+          </a:prstGeom>
+          <a:ln w="57150">
+            <a:solidFill>
+              <a:srgbClr val="FFFF00"/>
+            </a:solidFill>
+          </a:ln>
+        </p:spPr>
+        <p:style>
+          <a:lnRef idx="2">
+            <a:schemeClr val="accent1"/>
+          </a:lnRef>
+          <a:fillRef idx="0">
+            <a:schemeClr val="accent1"/>
+          </a:fillRef>
+          <a:effectRef idx="1">
+            <a:schemeClr val="accent1"/>
+          </a:effectRef>
+          <a:fontRef idx="minor">
+            <a:schemeClr val="tx1"/>
+          </a:fontRef>
+        </p:style>
+      </p:cxnSp>
+      <p:cxnSp>
+        <p:nvCxnSpPr>
+          <p:cNvPr id="99" name="Connecteur droit 98">
+            <a:extLst>
+              <a:ext uri="{FF2B5EF4-FFF2-40B4-BE49-F238E27FC236}">
+                <a16:creationId xmlns:a16="http://schemas.microsoft.com/office/drawing/2014/main" id="{F13553E2-37BC-A932-9FBF-DA5F041B2B29}"/>
+              </a:ext>
+            </a:extLst>
+          </p:cNvPr>
+          <p:cNvCxnSpPr>
+            <a:cxnSpLocks/>
+          </p:cNvCxnSpPr>
+          <p:nvPr/>
+        </p:nvCxnSpPr>
+        <p:spPr>
+          <a:xfrm flipV="1">
+            <a:off x="1213190" y="5193030"/>
+            <a:ext cx="0" cy="372618"/>
+          </a:xfrm>
+          <a:prstGeom prst="line">
+            <a:avLst/>
+          </a:prstGeom>
+          <a:ln w="57150">
+            <a:solidFill>
+              <a:srgbClr val="FFFF00"/>
+            </a:solidFill>
+          </a:ln>
+        </p:spPr>
+        <p:style>
+          <a:lnRef idx="2">
+            <a:schemeClr val="accent1"/>
+          </a:lnRef>
+          <a:fillRef idx="0">
+            <a:schemeClr val="accent1"/>
+          </a:fillRef>
+          <a:effectRef idx="1">
+            <a:schemeClr val="accent1"/>
+          </a:effectRef>
+          <a:fontRef idx="minor">
+            <a:schemeClr val="tx1"/>
+          </a:fontRef>
+        </p:style>
+      </p:cxnSp>
+      <p:cxnSp>
+        <p:nvCxnSpPr>
+          <p:cNvPr id="101" name="Connecteur droit 100">
+            <a:extLst>
+              <a:ext uri="{FF2B5EF4-FFF2-40B4-BE49-F238E27FC236}">
+                <a16:creationId xmlns:a16="http://schemas.microsoft.com/office/drawing/2014/main" id="{D2C8091A-EAB0-B823-9841-C655CB147B56}"/>
+              </a:ext>
+            </a:extLst>
+          </p:cNvPr>
+          <p:cNvCxnSpPr>
+            <a:cxnSpLocks/>
+          </p:cNvCxnSpPr>
+          <p:nvPr/>
+        </p:nvCxnSpPr>
+        <p:spPr>
+          <a:xfrm>
+            <a:off x="1213190" y="5537001"/>
+            <a:ext cx="3686884" cy="0"/>
+          </a:xfrm>
+          <a:prstGeom prst="line">
+            <a:avLst/>
+          </a:prstGeom>
+          <a:ln w="57150">
+            <a:solidFill>
+              <a:srgbClr val="FFFF00"/>
+            </a:solidFill>
+          </a:ln>
+        </p:spPr>
+        <p:style>
+          <a:lnRef idx="2">
+            <a:schemeClr val="accent1"/>
+          </a:lnRef>
+          <a:fillRef idx="0">
+            <a:schemeClr val="accent1"/>
+          </a:fillRef>
+          <a:effectRef idx="1">
+            <a:schemeClr val="accent1"/>
+          </a:effectRef>
+          <a:fontRef idx="minor">
+            <a:schemeClr val="tx1"/>
+          </a:fontRef>
+        </p:style>
+      </p:cxnSp>
+      <p:cxnSp>
+        <p:nvCxnSpPr>
+          <p:cNvPr id="103" name="Connecteur droit 102">
+            <a:extLst>
+              <a:ext uri="{FF2B5EF4-FFF2-40B4-BE49-F238E27FC236}">
+                <a16:creationId xmlns:a16="http://schemas.microsoft.com/office/drawing/2014/main" id="{B2006B9B-E081-3E0E-A1F8-0D525CDFC55F}"/>
+              </a:ext>
+            </a:extLst>
+          </p:cNvPr>
+          <p:cNvCxnSpPr>
+            <a:cxnSpLocks/>
+          </p:cNvCxnSpPr>
+          <p:nvPr/>
+        </p:nvCxnSpPr>
+        <p:spPr>
+          <a:xfrm flipV="1">
+            <a:off x="4890895" y="4220718"/>
+            <a:ext cx="0" cy="1344930"/>
+          </a:xfrm>
+          <a:prstGeom prst="line">
+            <a:avLst/>
+          </a:prstGeom>
+          <a:ln w="57150">
+            <a:solidFill>
+              <a:srgbClr val="FFFF00"/>
+            </a:solidFill>
+          </a:ln>
+        </p:spPr>
+        <p:style>
+          <a:lnRef idx="2">
+            <a:schemeClr val="accent1"/>
+          </a:lnRef>
+          <a:fillRef idx="0">
+            <a:schemeClr val="accent1"/>
+          </a:fillRef>
+          <a:effectRef idx="1">
+            <a:schemeClr val="accent1"/>
+          </a:effectRef>
+          <a:fontRef idx="minor">
+            <a:schemeClr val="tx1"/>
+          </a:fontRef>
+        </p:style>
+      </p:cxnSp>
+      <p:cxnSp>
+        <p:nvCxnSpPr>
+          <p:cNvPr id="104" name="Connecteur droit 103">
+            <a:extLst>
+              <a:ext uri="{FF2B5EF4-FFF2-40B4-BE49-F238E27FC236}">
+                <a16:creationId xmlns:a16="http://schemas.microsoft.com/office/drawing/2014/main" id="{65822BA7-ED04-E3B4-A648-C1876259F7E3}"/>
+              </a:ext>
+            </a:extLst>
+          </p:cNvPr>
+          <p:cNvCxnSpPr>
+            <a:cxnSpLocks/>
+          </p:cNvCxnSpPr>
+          <p:nvPr/>
+        </p:nvCxnSpPr>
+        <p:spPr>
+          <a:xfrm>
+            <a:off x="4685631" y="4034790"/>
+            <a:ext cx="2454309" cy="0"/>
+          </a:xfrm>
+          <a:prstGeom prst="line">
+            <a:avLst/>
+          </a:prstGeom>
+          <a:ln w="57150">
+            <a:solidFill>
+              <a:srgbClr val="FFFF00"/>
+            </a:solidFill>
+          </a:ln>
+        </p:spPr>
+        <p:style>
+          <a:lnRef idx="2">
+            <a:schemeClr val="accent1"/>
+          </a:lnRef>
+          <a:fillRef idx="0">
+            <a:schemeClr val="accent1"/>
+          </a:fillRef>
+          <a:effectRef idx="1">
+            <a:schemeClr val="accent1"/>
+          </a:effectRef>
+          <a:fontRef idx="minor">
+            <a:schemeClr val="tx1"/>
+          </a:fontRef>
+        </p:style>
+      </p:cxnSp>
+      <p:cxnSp>
+        <p:nvCxnSpPr>
+          <p:cNvPr id="105" name="Connecteur droit 104">
+            <a:extLst>
+              <a:ext uri="{FF2B5EF4-FFF2-40B4-BE49-F238E27FC236}">
+                <a16:creationId xmlns:a16="http://schemas.microsoft.com/office/drawing/2014/main" id="{301CE2D9-7EBD-AB11-19EC-E7D5CD12A97B}"/>
+              </a:ext>
+            </a:extLst>
+          </p:cNvPr>
+          <p:cNvCxnSpPr>
+            <a:cxnSpLocks/>
+          </p:cNvCxnSpPr>
+          <p:nvPr/>
+        </p:nvCxnSpPr>
+        <p:spPr>
+          <a:xfrm>
+            <a:off x="4888554" y="4247388"/>
+            <a:ext cx="2091366" cy="0"/>
+          </a:xfrm>
+          <a:prstGeom prst="line">
+            <a:avLst/>
+          </a:prstGeom>
+          <a:ln w="57150">
+            <a:solidFill>
+              <a:srgbClr val="FFFF00"/>
+            </a:solidFill>
+          </a:ln>
+        </p:spPr>
+        <p:style>
+          <a:lnRef idx="2">
+            <a:schemeClr val="accent1"/>
+          </a:lnRef>
+          <a:fillRef idx="0">
+            <a:schemeClr val="accent1"/>
+          </a:fillRef>
+          <a:effectRef idx="1">
+            <a:schemeClr val="accent1"/>
+          </a:effectRef>
+          <a:fontRef idx="minor">
+            <a:schemeClr val="tx1"/>
+          </a:fontRef>
+        </p:style>
+      </p:cxnSp>
+      <p:cxnSp>
+        <p:nvCxnSpPr>
+          <p:cNvPr id="106" name="Connecteur droit 105">
+            <a:extLst>
+              <a:ext uri="{FF2B5EF4-FFF2-40B4-BE49-F238E27FC236}">
+                <a16:creationId xmlns:a16="http://schemas.microsoft.com/office/drawing/2014/main" id="{B11B96DB-86F5-8AC1-FBEA-242BAA804662}"/>
+              </a:ext>
+            </a:extLst>
+          </p:cNvPr>
+          <p:cNvCxnSpPr>
+            <a:cxnSpLocks/>
+          </p:cNvCxnSpPr>
+          <p:nvPr/>
+        </p:nvCxnSpPr>
+        <p:spPr>
+          <a:xfrm flipV="1">
+            <a:off x="6953375" y="4220718"/>
+            <a:ext cx="0" cy="486537"/>
+          </a:xfrm>
+          <a:prstGeom prst="line">
+            <a:avLst/>
+          </a:prstGeom>
+          <a:ln w="57150">
+            <a:solidFill>
+              <a:srgbClr val="FFFF00"/>
+            </a:solidFill>
+          </a:ln>
+        </p:spPr>
+        <p:style>
+          <a:lnRef idx="2">
+            <a:schemeClr val="accent1"/>
+          </a:lnRef>
+          <a:fillRef idx="0">
+            <a:schemeClr val="accent1"/>
+          </a:fillRef>
+          <a:effectRef idx="1">
+            <a:schemeClr val="accent1"/>
+          </a:effectRef>
+          <a:fontRef idx="minor">
+            <a:schemeClr val="tx1"/>
+          </a:fontRef>
+        </p:style>
+      </p:cxnSp>
+      <p:cxnSp>
+        <p:nvCxnSpPr>
+          <p:cNvPr id="112" name="Connecteur droit 111">
+            <a:extLst>
+              <a:ext uri="{FF2B5EF4-FFF2-40B4-BE49-F238E27FC236}">
+                <a16:creationId xmlns:a16="http://schemas.microsoft.com/office/drawing/2014/main" id="{7F322D10-BD28-7D64-9D14-4EBF9969DF3E}"/>
+              </a:ext>
+            </a:extLst>
+          </p:cNvPr>
+          <p:cNvCxnSpPr>
+            <a:cxnSpLocks/>
+          </p:cNvCxnSpPr>
+          <p:nvPr/>
+        </p:nvCxnSpPr>
+        <p:spPr>
+          <a:xfrm flipV="1">
+            <a:off x="7113395" y="4034790"/>
+            <a:ext cx="0" cy="672465"/>
+          </a:xfrm>
+          <a:prstGeom prst="line">
+            <a:avLst/>
+          </a:prstGeom>
+          <a:ln w="57150">
+            <a:solidFill>
+              <a:srgbClr val="FFFF00"/>
+            </a:solidFill>
+          </a:ln>
+        </p:spPr>
+        <p:style>
+          <a:lnRef idx="2">
+            <a:schemeClr val="accent1"/>
+          </a:lnRef>
+          <a:fillRef idx="0">
+            <a:schemeClr val="accent1"/>
+          </a:fillRef>
+          <a:effectRef idx="1">
+            <a:schemeClr val="accent1"/>
+          </a:effectRef>
+          <a:fontRef idx="minor">
+            <a:schemeClr val="tx1"/>
+          </a:fontRef>
+        </p:style>
+      </p:cxnSp>
+      <p:cxnSp>
+        <p:nvCxnSpPr>
+          <p:cNvPr id="115" name="Connecteur droit 114">
+            <a:extLst>
+              <a:ext uri="{FF2B5EF4-FFF2-40B4-BE49-F238E27FC236}">
+                <a16:creationId xmlns:a16="http://schemas.microsoft.com/office/drawing/2014/main" id="{9B4D6C10-03BA-BAB0-0480-06D64BA5A1C2}"/>
+              </a:ext>
+            </a:extLst>
+          </p:cNvPr>
+          <p:cNvCxnSpPr>
+            <a:cxnSpLocks/>
+          </p:cNvCxnSpPr>
+          <p:nvPr/>
+        </p:nvCxnSpPr>
+        <p:spPr>
+          <a:xfrm flipV="1">
+            <a:off x="851239" y="5014333"/>
+            <a:ext cx="0" cy="365006"/>
+          </a:xfrm>
+          <a:prstGeom prst="line">
+            <a:avLst/>
+          </a:prstGeom>
+          <a:ln w="57150">
+            <a:solidFill>
+              <a:srgbClr val="0070C0"/>
+            </a:solidFill>
+          </a:ln>
+        </p:spPr>
+        <p:style>
+          <a:lnRef idx="2">
+            <a:schemeClr val="accent1"/>
+          </a:lnRef>
+          <a:fillRef idx="0">
+            <a:schemeClr val="accent1"/>
+          </a:fillRef>
+          <a:effectRef idx="1">
+            <a:schemeClr val="accent1"/>
+          </a:effectRef>
+          <a:fontRef idx="minor">
+            <a:schemeClr val="tx1"/>
+          </a:fontRef>
+        </p:style>
+      </p:cxnSp>
+      <p:sp>
+        <p:nvSpPr>
+          <p:cNvPr id="118" name="Ellipse 117">
+            <a:extLst>
+              <a:ext uri="{FF2B5EF4-FFF2-40B4-BE49-F238E27FC236}">
+                <a16:creationId xmlns:a16="http://schemas.microsoft.com/office/drawing/2014/main" id="{C0AD15C5-0BD7-3510-B5FD-489A118B206E}"/>
+              </a:ext>
+            </a:extLst>
+          </p:cNvPr>
+          <p:cNvSpPr/>
+          <p:nvPr/>
+        </p:nvSpPr>
+        <p:spPr>
+          <a:xfrm>
+            <a:off x="268975" y="3140746"/>
+            <a:ext cx="159310" cy="159310"/>
+          </a:xfrm>
+          <a:prstGeom prst="ellipse">
+            <a:avLst/>
+          </a:prstGeom>
+          <a:solidFill>
+            <a:srgbClr val="0070C0"/>
+          </a:solidFill>
+          <a:ln>
+            <a:noFill/>
+          </a:ln>
+        </p:spPr>
+        <p:style>
+          <a:lnRef idx="2">
+            <a:schemeClr val="accent1">
+              <a:shade val="50000"/>
+            </a:schemeClr>
+          </a:lnRef>
+          <a:fillRef idx="1">
+            <a:schemeClr val="accent1"/>
+          </a:fillRef>
+          <a:effectRef idx="0">
+            <a:schemeClr val="accent1"/>
+          </a:effectRef>
+          <a:fontRef idx="minor">
+            <a:schemeClr val="lt1"/>
+          </a:fontRef>
+        </p:style>
+        <p:txBody>
+          <a:bodyPr rtlCol="0" anchor="ctr"/>
+          <a:lstStyle/>
+          <a:p>
+            <a:pPr algn="ctr"/>
+            <a:endParaRPr lang="fr-FR"/>
+          </a:p>
+        </p:txBody>
+      </p:sp>
+      <p:cxnSp>
+        <p:nvCxnSpPr>
+          <p:cNvPr id="119" name="Connecteur droit 118">
+            <a:extLst>
+              <a:ext uri="{FF2B5EF4-FFF2-40B4-BE49-F238E27FC236}">
+                <a16:creationId xmlns:a16="http://schemas.microsoft.com/office/drawing/2014/main" id="{FA5945D8-6B23-7ACF-B22D-BF4F8B2FF9DD}"/>
+              </a:ext>
+            </a:extLst>
+          </p:cNvPr>
+          <p:cNvCxnSpPr>
+            <a:cxnSpLocks/>
+          </p:cNvCxnSpPr>
+          <p:nvPr/>
+        </p:nvCxnSpPr>
+        <p:spPr>
+          <a:xfrm flipV="1">
+            <a:off x="348630" y="3232082"/>
+            <a:ext cx="0" cy="2147257"/>
+          </a:xfrm>
+          <a:prstGeom prst="line">
+            <a:avLst/>
+          </a:prstGeom>
+          <a:ln w="57150">
+            <a:solidFill>
+              <a:srgbClr val="0070C0"/>
+            </a:solidFill>
+          </a:ln>
+        </p:spPr>
+        <p:style>
+          <a:lnRef idx="2">
+            <a:schemeClr val="accent1"/>
+          </a:lnRef>
+          <a:fillRef idx="0">
+            <a:schemeClr val="accent1"/>
+          </a:fillRef>
+          <a:effectRef idx="1">
+            <a:schemeClr val="accent1"/>
+          </a:effectRef>
+          <a:fontRef idx="minor">
+            <a:schemeClr val="tx1"/>
+          </a:fontRef>
+        </p:style>
+      </p:cxnSp>
+      <p:cxnSp>
+        <p:nvCxnSpPr>
+          <p:cNvPr id="121" name="Connecteur droit 120">
+            <a:extLst>
+              <a:ext uri="{FF2B5EF4-FFF2-40B4-BE49-F238E27FC236}">
+                <a16:creationId xmlns:a16="http://schemas.microsoft.com/office/drawing/2014/main" id="{3897EDB1-D975-6F0A-4E1F-92657845F8CD}"/>
+              </a:ext>
+            </a:extLst>
+          </p:cNvPr>
+          <p:cNvCxnSpPr>
+            <a:cxnSpLocks/>
+          </p:cNvCxnSpPr>
+          <p:nvPr/>
+        </p:nvCxnSpPr>
+        <p:spPr>
+          <a:xfrm>
+            <a:off x="325770" y="5361288"/>
+            <a:ext cx="548625" cy="0"/>
+          </a:xfrm>
+          <a:prstGeom prst="line">
+            <a:avLst/>
+          </a:prstGeom>
+          <a:ln w="57150">
+            <a:solidFill>
+              <a:srgbClr val="0070C0"/>
+            </a:solidFill>
+          </a:ln>
+        </p:spPr>
+        <p:style>
+          <a:lnRef idx="2">
+            <a:schemeClr val="accent1"/>
+          </a:lnRef>
+          <a:fillRef idx="0">
+            <a:schemeClr val="accent1"/>
+          </a:fillRef>
+          <a:effectRef idx="1">
+            <a:schemeClr val="accent1"/>
+          </a:effectRef>
+          <a:fontRef idx="minor">
+            <a:schemeClr val="tx1"/>
+          </a:fontRef>
+        </p:style>
+      </p:cxnSp>
+      <p:cxnSp>
+        <p:nvCxnSpPr>
+          <p:cNvPr id="123" name="Connecteur droit 122">
+            <a:extLst>
+              <a:ext uri="{FF2B5EF4-FFF2-40B4-BE49-F238E27FC236}">
+                <a16:creationId xmlns:a16="http://schemas.microsoft.com/office/drawing/2014/main" id="{5EF6C08D-4C63-4916-78A7-FE4CBD34A96C}"/>
+              </a:ext>
+            </a:extLst>
+          </p:cNvPr>
+          <p:cNvCxnSpPr>
+            <a:cxnSpLocks/>
+          </p:cNvCxnSpPr>
+          <p:nvPr/>
+        </p:nvCxnSpPr>
+        <p:spPr>
+          <a:xfrm flipV="1">
+            <a:off x="3449748" y="5014333"/>
+            <a:ext cx="0" cy="365006"/>
+          </a:xfrm>
+          <a:prstGeom prst="line">
+            <a:avLst/>
+          </a:prstGeom>
+          <a:ln w="57150">
+            <a:solidFill>
+              <a:srgbClr val="0070C0"/>
+            </a:solidFill>
+          </a:ln>
+        </p:spPr>
+        <p:style>
+          <a:lnRef idx="2">
+            <a:schemeClr val="accent1"/>
+          </a:lnRef>
+          <a:fillRef idx="0">
+            <a:schemeClr val="accent1"/>
+          </a:fillRef>
+          <a:effectRef idx="1">
+            <a:schemeClr val="accent1"/>
+          </a:effectRef>
+          <a:fontRef idx="minor">
+            <a:schemeClr val="tx1"/>
+          </a:fontRef>
+        </p:style>
+      </p:cxnSp>
+      <p:sp>
+        <p:nvSpPr>
+          <p:cNvPr id="124" name="Ellipse 123">
+            <a:extLst>
+              <a:ext uri="{FF2B5EF4-FFF2-40B4-BE49-F238E27FC236}">
+                <a16:creationId xmlns:a16="http://schemas.microsoft.com/office/drawing/2014/main" id="{E5C076BA-1A81-D96A-F684-28375AEFA8F7}"/>
+              </a:ext>
+            </a:extLst>
+          </p:cNvPr>
+          <p:cNvSpPr/>
+          <p:nvPr/>
+        </p:nvSpPr>
+        <p:spPr>
+          <a:xfrm>
+            <a:off x="2867484" y="3140746"/>
+            <a:ext cx="159310" cy="159310"/>
+          </a:xfrm>
+          <a:prstGeom prst="ellipse">
+            <a:avLst/>
+          </a:prstGeom>
+          <a:solidFill>
+            <a:srgbClr val="0070C0"/>
+          </a:solidFill>
+          <a:ln>
+            <a:noFill/>
+          </a:ln>
+        </p:spPr>
+        <p:style>
+          <a:lnRef idx="2">
+            <a:schemeClr val="accent1">
+              <a:shade val="50000"/>
+            </a:schemeClr>
+          </a:lnRef>
+          <a:fillRef idx="1">
+            <a:schemeClr val="accent1"/>
+          </a:fillRef>
+          <a:effectRef idx="0">
+            <a:schemeClr val="accent1"/>
+          </a:effectRef>
+          <a:fontRef idx="minor">
+            <a:schemeClr val="lt1"/>
+          </a:fontRef>
+        </p:style>
+        <p:txBody>
+          <a:bodyPr rtlCol="0" anchor="ctr"/>
+          <a:lstStyle/>
+          <a:p>
+            <a:pPr algn="ctr"/>
+            <a:endParaRPr lang="fr-FR"/>
+          </a:p>
+        </p:txBody>
+      </p:sp>
+      <p:cxnSp>
+        <p:nvCxnSpPr>
+          <p:cNvPr id="125" name="Connecteur droit 124">
+            <a:extLst>
+              <a:ext uri="{FF2B5EF4-FFF2-40B4-BE49-F238E27FC236}">
+                <a16:creationId xmlns:a16="http://schemas.microsoft.com/office/drawing/2014/main" id="{1658280E-9806-8C55-4DCE-CC0B79DD33A7}"/>
+              </a:ext>
+            </a:extLst>
+          </p:cNvPr>
+          <p:cNvCxnSpPr>
+            <a:cxnSpLocks/>
+          </p:cNvCxnSpPr>
+          <p:nvPr/>
+        </p:nvCxnSpPr>
+        <p:spPr>
+          <a:xfrm flipV="1">
+            <a:off x="2947139" y="3232082"/>
+            <a:ext cx="0" cy="2147257"/>
+          </a:xfrm>
+          <a:prstGeom prst="line">
+            <a:avLst/>
+          </a:prstGeom>
+          <a:ln w="57150">
+            <a:solidFill>
+              <a:srgbClr val="0070C0"/>
+            </a:solidFill>
+          </a:ln>
+        </p:spPr>
+        <p:style>
+          <a:lnRef idx="2">
+            <a:schemeClr val="accent1"/>
+          </a:lnRef>
+          <a:fillRef idx="0">
+            <a:schemeClr val="accent1"/>
+          </a:fillRef>
+          <a:effectRef idx="1">
+            <a:schemeClr val="accent1"/>
+          </a:effectRef>
+          <a:fontRef idx="minor">
+            <a:schemeClr val="tx1"/>
+          </a:fontRef>
+        </p:style>
+      </p:cxnSp>
+      <p:cxnSp>
+        <p:nvCxnSpPr>
+          <p:cNvPr id="126" name="Connecteur droit 125">
+            <a:extLst>
+              <a:ext uri="{FF2B5EF4-FFF2-40B4-BE49-F238E27FC236}">
+                <a16:creationId xmlns:a16="http://schemas.microsoft.com/office/drawing/2014/main" id="{1F929D15-3675-BBEA-FDDD-A3B410ED68B4}"/>
+              </a:ext>
+            </a:extLst>
+          </p:cNvPr>
+          <p:cNvCxnSpPr>
+            <a:cxnSpLocks/>
+          </p:cNvCxnSpPr>
+          <p:nvPr/>
+        </p:nvCxnSpPr>
+        <p:spPr>
+          <a:xfrm>
+            <a:off x="2924279" y="5361288"/>
+            <a:ext cx="548625" cy="0"/>
+          </a:xfrm>
+          <a:prstGeom prst="line">
+            <a:avLst/>
+          </a:prstGeom>
+          <a:ln w="57150">
+            <a:solidFill>
+              <a:srgbClr val="0070C0"/>
+            </a:solidFill>
+          </a:ln>
+        </p:spPr>
+        <p:style>
+          <a:lnRef idx="2">
+            <a:schemeClr val="accent1"/>
+          </a:lnRef>
+          <a:fillRef idx="0">
+            <a:schemeClr val="accent1"/>
+          </a:fillRef>
+          <a:effectRef idx="1">
+            <a:schemeClr val="accent1"/>
+          </a:effectRef>
+          <a:fontRef idx="minor">
+            <a:schemeClr val="tx1"/>
+          </a:fontRef>
+        </p:style>
+      </p:cxnSp>
+      <p:cxnSp>
+        <p:nvCxnSpPr>
+          <p:cNvPr id="127" name="Connecteur droit 126">
+            <a:extLst>
+              <a:ext uri="{FF2B5EF4-FFF2-40B4-BE49-F238E27FC236}">
+                <a16:creationId xmlns:a16="http://schemas.microsoft.com/office/drawing/2014/main" id="{BFBBCDBD-4A37-E554-01FA-188B5E380B15}"/>
+              </a:ext>
+            </a:extLst>
+          </p:cNvPr>
+          <p:cNvCxnSpPr>
+            <a:cxnSpLocks/>
+          </p:cNvCxnSpPr>
+          <p:nvPr/>
+        </p:nvCxnSpPr>
+        <p:spPr>
+          <a:xfrm flipV="1">
+            <a:off x="7410575" y="4034790"/>
+            <a:ext cx="0" cy="672465"/>
+          </a:xfrm>
+          <a:prstGeom prst="line">
+            <a:avLst/>
+          </a:prstGeom>
+          <a:ln w="57150">
+            <a:solidFill>
+              <a:srgbClr val="FFFF00"/>
+            </a:solidFill>
+          </a:ln>
+        </p:spPr>
+        <p:style>
+          <a:lnRef idx="2">
+            <a:schemeClr val="accent1"/>
+          </a:lnRef>
+          <a:fillRef idx="0">
+            <a:schemeClr val="accent1"/>
+          </a:fillRef>
+          <a:effectRef idx="1">
+            <a:schemeClr val="accent1"/>
+          </a:effectRef>
+          <a:fontRef idx="minor">
+            <a:schemeClr val="tx1"/>
+          </a:fontRef>
+        </p:style>
+      </p:cxnSp>
+      <p:cxnSp>
+        <p:nvCxnSpPr>
+          <p:cNvPr id="128" name="Connecteur droit 127">
+            <a:extLst>
+              <a:ext uri="{FF2B5EF4-FFF2-40B4-BE49-F238E27FC236}">
+                <a16:creationId xmlns:a16="http://schemas.microsoft.com/office/drawing/2014/main" id="{41F5A5F6-B27D-D9F9-E348-5E49640A5FD8}"/>
+              </a:ext>
+            </a:extLst>
+          </p:cNvPr>
+          <p:cNvCxnSpPr>
+            <a:cxnSpLocks/>
+          </p:cNvCxnSpPr>
+          <p:nvPr/>
+        </p:nvCxnSpPr>
+        <p:spPr>
+          <a:xfrm>
+            <a:off x="7386584" y="4034790"/>
+            <a:ext cx="1652641" cy="0"/>
+          </a:xfrm>
+          <a:prstGeom prst="line">
+            <a:avLst/>
+          </a:prstGeom>
+          <a:ln w="57150">
+            <a:solidFill>
+              <a:srgbClr val="FFFF00"/>
+            </a:solidFill>
+          </a:ln>
+        </p:spPr>
+        <p:style>
+          <a:lnRef idx="2">
+            <a:schemeClr val="accent1"/>
+          </a:lnRef>
+          <a:fillRef idx="0">
+            <a:schemeClr val="accent1"/>
+          </a:fillRef>
+          <a:effectRef idx="1">
+            <a:schemeClr val="accent1"/>
+          </a:effectRef>
+          <a:fontRef idx="minor">
+            <a:schemeClr val="tx1"/>
+          </a:fontRef>
+        </p:style>
+      </p:cxnSp>
+      <p:sp>
+        <p:nvSpPr>
+          <p:cNvPr id="130" name="Ellipse 129">
+            <a:extLst>
+              <a:ext uri="{FF2B5EF4-FFF2-40B4-BE49-F238E27FC236}">
+                <a16:creationId xmlns:a16="http://schemas.microsoft.com/office/drawing/2014/main" id="{EC4FB72E-8944-E23B-3AE4-D29425D0B1B3}"/>
+              </a:ext>
+            </a:extLst>
+          </p:cNvPr>
+          <p:cNvSpPr/>
+          <p:nvPr/>
+        </p:nvSpPr>
+        <p:spPr>
+          <a:xfrm>
+            <a:off x="9853740" y="2780715"/>
+            <a:ext cx="159310" cy="159310"/>
+          </a:xfrm>
+          <a:prstGeom prst="ellipse">
+            <a:avLst/>
+          </a:prstGeom>
+          <a:solidFill>
+            <a:srgbClr val="FF0000"/>
+          </a:solidFill>
+          <a:ln>
+            <a:noFill/>
+          </a:ln>
+        </p:spPr>
+        <p:style>
+          <a:lnRef idx="2">
+            <a:schemeClr val="accent1">
+              <a:shade val="50000"/>
+            </a:schemeClr>
+          </a:lnRef>
+          <a:fillRef idx="1">
+            <a:schemeClr val="accent1"/>
+          </a:fillRef>
+          <a:effectRef idx="0">
+            <a:schemeClr val="accent1"/>
+          </a:effectRef>
+          <a:fontRef idx="minor">
+            <a:schemeClr val="lt1"/>
+          </a:fontRef>
+        </p:style>
+        <p:txBody>
+          <a:bodyPr rtlCol="0" anchor="ctr"/>
+          <a:lstStyle/>
+          <a:p>
+            <a:pPr algn="ctr"/>
+            <a:endParaRPr lang="fr-FR"/>
+          </a:p>
+        </p:txBody>
+      </p:sp>
+      <p:cxnSp>
+        <p:nvCxnSpPr>
+          <p:cNvPr id="131" name="Connecteur droit 130">
+            <a:extLst>
+              <a:ext uri="{FF2B5EF4-FFF2-40B4-BE49-F238E27FC236}">
+                <a16:creationId xmlns:a16="http://schemas.microsoft.com/office/drawing/2014/main" id="{52403D5C-5092-E31D-7DC5-773C3C54B464}"/>
+              </a:ext>
+            </a:extLst>
+          </p:cNvPr>
+          <p:cNvCxnSpPr>
+            <a:cxnSpLocks/>
+          </p:cNvCxnSpPr>
+          <p:nvPr/>
+        </p:nvCxnSpPr>
+        <p:spPr>
+          <a:xfrm flipV="1">
+            <a:off x="9933395" y="2862751"/>
+            <a:ext cx="0" cy="1216489"/>
+          </a:xfrm>
+          <a:prstGeom prst="line">
+            <a:avLst/>
+          </a:prstGeom>
+          <a:ln w="57150">
+            <a:solidFill>
+              <a:srgbClr val="FF0000"/>
+            </a:solidFill>
+          </a:ln>
+        </p:spPr>
+        <p:style>
+          <a:lnRef idx="2">
+            <a:schemeClr val="accent1"/>
+          </a:lnRef>
+          <a:fillRef idx="0">
+            <a:schemeClr val="accent1"/>
+          </a:fillRef>
+          <a:effectRef idx="1">
+            <a:schemeClr val="accent1"/>
+          </a:effectRef>
+          <a:fontRef idx="minor">
+            <a:schemeClr val="tx1"/>
+          </a:fontRef>
+        </p:style>
+      </p:cxnSp>
+      <p:sp>
+        <p:nvSpPr>
+          <p:cNvPr id="134" name="Ellipse 133">
+            <a:extLst>
+              <a:ext uri="{FF2B5EF4-FFF2-40B4-BE49-F238E27FC236}">
+                <a16:creationId xmlns:a16="http://schemas.microsoft.com/office/drawing/2014/main" id="{23DCD190-59E5-ED52-7EA9-75B643E98F43}"/>
+              </a:ext>
+            </a:extLst>
+          </p:cNvPr>
+          <p:cNvSpPr/>
+          <p:nvPr/>
+        </p:nvSpPr>
+        <p:spPr>
+          <a:xfrm>
+            <a:off x="10186738" y="3140746"/>
+            <a:ext cx="159310" cy="159310"/>
+          </a:xfrm>
+          <a:prstGeom prst="ellipse">
+            <a:avLst/>
+          </a:prstGeom>
+          <a:solidFill>
+            <a:srgbClr val="0070C0"/>
+          </a:solidFill>
+          <a:ln>
+            <a:noFill/>
+          </a:ln>
+        </p:spPr>
+        <p:style>
+          <a:lnRef idx="2">
+            <a:schemeClr val="accent1">
+              <a:shade val="50000"/>
+            </a:schemeClr>
+          </a:lnRef>
+          <a:fillRef idx="1">
+            <a:schemeClr val="accent1"/>
+          </a:fillRef>
+          <a:effectRef idx="0">
+            <a:schemeClr val="accent1"/>
+          </a:effectRef>
+          <a:fontRef idx="minor">
+            <a:schemeClr val="lt1"/>
+          </a:fontRef>
+        </p:style>
+        <p:txBody>
+          <a:bodyPr rtlCol="0" anchor="ctr"/>
+          <a:lstStyle/>
+          <a:p>
+            <a:pPr algn="ctr"/>
+            <a:endParaRPr lang="fr-FR"/>
+          </a:p>
+        </p:txBody>
+      </p:sp>
+      <p:cxnSp>
+        <p:nvCxnSpPr>
+          <p:cNvPr id="135" name="Connecteur droit 134">
+            <a:extLst>
+              <a:ext uri="{FF2B5EF4-FFF2-40B4-BE49-F238E27FC236}">
+                <a16:creationId xmlns:a16="http://schemas.microsoft.com/office/drawing/2014/main" id="{FF553DAC-4574-C2F6-329A-0C77852E4B11}"/>
+              </a:ext>
+            </a:extLst>
+          </p:cNvPr>
+          <p:cNvCxnSpPr>
+            <a:cxnSpLocks/>
+          </p:cNvCxnSpPr>
+          <p:nvPr/>
+        </p:nvCxnSpPr>
+        <p:spPr>
+          <a:xfrm flipV="1">
+            <a:off x="10266393" y="3232082"/>
+            <a:ext cx="0" cy="1292293"/>
+          </a:xfrm>
+          <a:prstGeom prst="line">
+            <a:avLst/>
+          </a:prstGeom>
+          <a:ln w="57150">
+            <a:solidFill>
+              <a:srgbClr val="0070C0"/>
+            </a:solidFill>
+          </a:ln>
+        </p:spPr>
+        <p:style>
+          <a:lnRef idx="2">
+            <a:schemeClr val="accent1"/>
+          </a:lnRef>
+          <a:fillRef idx="0">
+            <a:schemeClr val="accent1"/>
+          </a:fillRef>
+          <a:effectRef idx="1">
+            <a:schemeClr val="accent1"/>
+          </a:effectRef>
+          <a:fontRef idx="minor">
+            <a:schemeClr val="tx1"/>
+          </a:fontRef>
+        </p:style>
+      </p:cxnSp>
+      <p:cxnSp>
+        <p:nvCxnSpPr>
+          <p:cNvPr id="136" name="Connecteur droit 135">
+            <a:extLst>
+              <a:ext uri="{FF2B5EF4-FFF2-40B4-BE49-F238E27FC236}">
+                <a16:creationId xmlns:a16="http://schemas.microsoft.com/office/drawing/2014/main" id="{4BFB712E-E3D5-D1E4-0F84-F7660921F9D2}"/>
+              </a:ext>
+            </a:extLst>
+          </p:cNvPr>
+          <p:cNvCxnSpPr>
+            <a:cxnSpLocks/>
+          </p:cNvCxnSpPr>
+          <p:nvPr/>
+        </p:nvCxnSpPr>
+        <p:spPr>
+          <a:xfrm>
+            <a:off x="9914359" y="4502768"/>
+            <a:ext cx="368831" cy="0"/>
+          </a:xfrm>
+          <a:prstGeom prst="line">
+            <a:avLst/>
+          </a:prstGeom>
+          <a:ln w="57150">
+            <a:solidFill>
+              <a:srgbClr val="0070C0"/>
+            </a:solidFill>
+          </a:ln>
+        </p:spPr>
+        <p:style>
+          <a:lnRef idx="2">
+            <a:schemeClr val="accent1"/>
+          </a:lnRef>
+          <a:fillRef idx="0">
+            <a:schemeClr val="accent1"/>
+          </a:fillRef>
+          <a:effectRef idx="1">
+            <a:schemeClr val="accent1"/>
+          </a:effectRef>
+          <a:fontRef idx="minor">
+            <a:schemeClr val="tx1"/>
+          </a:fontRef>
+        </p:style>
+      </p:cxnSp>
     </p:spTree>
     <p:extLst>
       <p:ext uri="{BB962C8B-B14F-4D97-AF65-F5344CB8AC3E}">
